--- a/디자인관련/버튼 등등 모음.pptx
+++ b/디자인관련/버튼 등등 모음.pptx
@@ -7,18 +7,22 @@
   <p:sldIdLst>
     <p:sldId id="256" r:id="rId2"/>
     <p:sldId id="257" r:id="rId3"/>
-    <p:sldId id="258" r:id="rId4"/>
-    <p:sldId id="259" r:id="rId5"/>
-    <p:sldId id="260" r:id="rId6"/>
-    <p:sldId id="261" r:id="rId7"/>
-    <p:sldId id="262" r:id="rId8"/>
-    <p:sldId id="263" r:id="rId9"/>
-    <p:sldId id="264" r:id="rId10"/>
-    <p:sldId id="265" r:id="rId11"/>
-    <p:sldId id="266" r:id="rId12"/>
-    <p:sldId id="267" r:id="rId13"/>
+    <p:sldId id="269" r:id="rId4"/>
+    <p:sldId id="258" r:id="rId5"/>
+    <p:sldId id="259" r:id="rId6"/>
+    <p:sldId id="260" r:id="rId7"/>
+    <p:sldId id="268" r:id="rId8"/>
+    <p:sldId id="261" r:id="rId9"/>
+    <p:sldId id="262" r:id="rId10"/>
+    <p:sldId id="263" r:id="rId11"/>
+    <p:sldId id="264" r:id="rId12"/>
+    <p:sldId id="265" r:id="rId13"/>
+    <p:sldId id="266" r:id="rId14"/>
+    <p:sldId id="267" r:id="rId15"/>
+    <p:sldId id="271" r:id="rId16"/>
+    <p:sldId id="270" r:id="rId17"/>
   </p:sldIdLst>
-  <p:sldSz cx="10287000" cy="10287000" type="screen4x3"/>
+  <p:sldSz cx="10287000" cy="10287000"/>
   <p:notesSz cx="10287000" cy="10287000"/>
   <p:defaultTextStyle>
     <a:defPPr>
@@ -117,7 +121,18 @@
   </p:defaultTextStyle>
   <p:extLst>
     <p:ext uri="{EFAFB233-063F-42B5-8137-9DF3F51BA10A}">
-      <p15:sldGuideLst xmlns:p15="http://schemas.microsoft.com/office/powerpoint/2012/main"/>
+      <p15:sldGuideLst xmlns:p15="http://schemas.microsoft.com/office/powerpoint/2012/main">
+        <p15:guide id="1" orient="horz" pos="2160">
+          <p15:clr>
+            <a:srgbClr val="A4A3A4"/>
+          </p15:clr>
+        </p15:guide>
+        <p15:guide id="2" pos="2880">
+          <p15:clr>
+            <a:srgbClr val="A4A3A4"/>
+          </p15:clr>
+        </p15:guide>
+      </p15:sldGuideLst>
     </p:ext>
   </p:extLst>
 </p:presentation>
@@ -304,7 +319,7 @@
           <a:p>
             <a:fld id="{F8166F1F-CE9B-4651-A6AA-CD717754106B}" type="datetimeFigureOut">
               <a:rPr lang="en-US" smtClean="0"/>
-              <a:t>1/19/2023</a:t>
+              <a:t>1/20/2023</a:t>
             </a:fld>
             <a:endParaRPr lang="en-US"/>
           </a:p>
@@ -469,7 +484,7 @@
           <a:p>
             <a:fld id="{A76116CE-C4A3-4A05-B2D7-7C2E9A889C0F}" type="datetimeFigureOut">
               <a:rPr lang="en-US" smtClean="0"/>
-              <a:t>1/30/2017</a:t>
+              <a:t>1/20/2023</a:t>
             </a:fld>
             <a:endParaRPr lang="en-US"/>
           </a:p>
@@ -644,7 +659,7 @@
           <a:p>
             <a:fld id="{A76116CE-C4A3-4A05-B2D7-7C2E9A889C0F}" type="datetimeFigureOut">
               <a:rPr lang="en-US" smtClean="0"/>
-              <a:t>1/30/2017</a:t>
+              <a:t>1/20/2023</a:t>
             </a:fld>
             <a:endParaRPr lang="en-US"/>
           </a:p>
@@ -811,7 +826,7 @@
           <a:p>
             <a:fld id="{A76116CE-C4A3-4A05-B2D7-7C2E9A889C0F}" type="datetimeFigureOut">
               <a:rPr lang="en-US" smtClean="0"/>
-              <a:t>1/19/2023</a:t>
+              <a:t>1/20/2023</a:t>
             </a:fld>
             <a:endParaRPr lang="en-US"/>
           </a:p>
@@ -1052,7 +1067,7 @@
           <a:p>
             <a:fld id="{A76116CE-C4A3-4A05-B2D7-7C2E9A889C0F}" type="datetimeFigureOut">
               <a:rPr lang="en-US" smtClean="0"/>
-              <a:t>1/19/2023</a:t>
+              <a:t>1/20/2023</a:t>
             </a:fld>
             <a:endParaRPr lang="en-US"/>
           </a:p>
@@ -1335,7 +1350,7 @@
           <a:p>
             <a:fld id="{A76116CE-C4A3-4A05-B2D7-7C2E9A889C0F}" type="datetimeFigureOut">
               <a:rPr lang="en-US" smtClean="0"/>
-              <a:t>1/30/2017</a:t>
+              <a:t>1/20/2023</a:t>
             </a:fld>
             <a:endParaRPr lang="en-US"/>
           </a:p>
@@ -1752,7 +1767,7 @@
           <a:p>
             <a:fld id="{A76116CE-C4A3-4A05-B2D7-7C2E9A889C0F}" type="datetimeFigureOut">
               <a:rPr lang="en-US" smtClean="0"/>
-              <a:t>1/30/2017</a:t>
+              <a:t>1/20/2023</a:t>
             </a:fld>
             <a:endParaRPr lang="en-US"/>
           </a:p>
@@ -1865,7 +1880,7 @@
           <a:p>
             <a:fld id="{A76116CE-C4A3-4A05-B2D7-7C2E9A889C0F}" type="datetimeFigureOut">
               <a:rPr lang="en-US" smtClean="0"/>
-              <a:t>1/30/2017</a:t>
+              <a:t>1/20/2023</a:t>
             </a:fld>
             <a:endParaRPr lang="en-US"/>
           </a:p>
@@ -1955,7 +1970,7 @@
           <a:p>
             <a:fld id="{A76116CE-C4A3-4A05-B2D7-7C2E9A889C0F}" type="datetimeFigureOut">
               <a:rPr lang="en-US" smtClean="0"/>
-              <a:t>1/30/2017</a:t>
+              <a:t>1/20/2023</a:t>
             </a:fld>
             <a:endParaRPr lang="en-US"/>
           </a:p>
@@ -2227,7 +2242,7 @@
           <a:p>
             <a:fld id="{A76116CE-C4A3-4A05-B2D7-7C2E9A889C0F}" type="datetimeFigureOut">
               <a:rPr lang="en-US" smtClean="0"/>
-              <a:t>1/30/2017</a:t>
+              <a:t>1/20/2023</a:t>
             </a:fld>
             <a:endParaRPr lang="en-US"/>
           </a:p>
@@ -2475,7 +2490,7 @@
           <a:p>
             <a:fld id="{A76116CE-C4A3-4A05-B2D7-7C2E9A889C0F}" type="datetimeFigureOut">
               <a:rPr lang="en-US" smtClean="0"/>
-              <a:t>1/30/2017</a:t>
+              <a:t>1/20/2023</a:t>
             </a:fld>
             <a:endParaRPr lang="en-US"/>
           </a:p>
@@ -2683,7 +2698,7 @@
           <a:p>
             <a:fld id="{F8166F1F-CE9B-4651-A6AA-CD717754106B}" type="datetimeFigureOut">
               <a:rPr lang="en-US" smtClean="0"/>
-              <a:t>6/13/2013</a:t>
+              <a:t>1/20/2023</a:t>
             </a:fld>
             <a:endParaRPr lang="en-US"/>
           </a:p>
@@ -2761,7 +2776,7 @@
           <a:p>
             <a:fld id="{F7021451-1387-4CA6-816F-3879F97B5CBC}" type="slidenum">
               <a:rPr lang="en-US" smtClean="0"/>
-              <a:t>�#�</a:t>
+              <a:t>‹#›</a:t>
             </a:fld>
             <a:endParaRPr lang="en-US"/>
           </a:p>
@@ -2772,16 +2787,16 @@
   <p:clrMap bg1="lt1" tx1="dk1" bg2="lt2" tx2="dk2" accent1="accent1" accent2="accent2" accent3="accent3" accent4="accent4" accent5="accent5" accent6="accent6" hlink="hlink" folHlink="folHlink"/>
   <p:sldLayoutIdLst>
     <p:sldLayoutId id="2147483649" r:id="rId1"/>
-    <p:sldLayoutId id="2147483650" r:id="rId3"/>
-    <p:sldLayoutId id="2147483651" r:id="rId4"/>
-    <p:sldLayoutId id="2147483652" r:id="rId5"/>
-    <p:sldLayoutId id="2147483653" r:id="rId6"/>
-    <p:sldLayoutId id="2147483654" r:id="rId7"/>
-    <p:sldLayoutId id="2147483655" r:id="rId8"/>
-    <p:sldLayoutId id="2147483656" r:id="rId9"/>
-    <p:sldLayoutId id="2147483657" r:id="rId10"/>
-    <p:sldLayoutId id="2147483658" r:id="rId11"/>
-    <p:sldLayoutId id="2147483659" r:id="rId12"/>
+    <p:sldLayoutId id="2147483650" r:id="rId2"/>
+    <p:sldLayoutId id="2147483651" r:id="rId3"/>
+    <p:sldLayoutId id="2147483652" r:id="rId4"/>
+    <p:sldLayoutId id="2147483653" r:id="rId5"/>
+    <p:sldLayoutId id="2147483654" r:id="rId6"/>
+    <p:sldLayoutId id="2147483655" r:id="rId7"/>
+    <p:sldLayoutId id="2147483656" r:id="rId8"/>
+    <p:sldLayoutId id="2147483657" r:id="rId9"/>
+    <p:sldLayoutId id="2147483658" r:id="rId10"/>
+    <p:sldLayoutId id="2147483659" r:id="rId11"/>
   </p:sldLayoutIdLst>
   <p:txStyles>
     <p:titleStyle>
@@ -3383,7 +3398,439 @@
 
 <file path=ppt/slides/slide10.xml><?xml version="1.0" encoding="utf-8"?>
 <p:sld xmlns:a="http://schemas.openxmlformats.org/drawingml/2006/main" xmlns:r="http://schemas.openxmlformats.org/officeDocument/2006/relationships" xmlns:p="http://schemas.openxmlformats.org/presentationml/2006/main">
-  <p:cSld name="Slide 10">
+  <p:cSld name="Slide 8">
+    <p:bg>
+      <p:bgPr>
+        <a:solidFill>
+          <a:srgbClr val="FFFFFF"/>
+        </a:solidFill>
+        <a:effectLst/>
+      </p:bgPr>
+    </p:bg>
+    <p:spTree>
+      <p:nvGrpSpPr>
+        <p:cNvPr id="1" name=""/>
+        <p:cNvGrpSpPr/>
+        <p:nvPr/>
+      </p:nvGrpSpPr>
+      <p:grpSpPr>
+        <a:xfrm>
+          <a:off x="0" y="0"/>
+          <a:ext cx="0" cy="0"/>
+          <a:chOff x="0" y="0"/>
+          <a:chExt cx="0" cy="0"/>
+        </a:xfrm>
+      </p:grpSpPr>
+      <p:grpSp>
+        <p:nvGrpSpPr>
+          <p:cNvPr id="1001" name="그룹 1001"/>
+          <p:cNvGrpSpPr/>
+          <p:nvPr/>
+        </p:nvGrpSpPr>
+        <p:grpSpPr>
+          <a:xfrm>
+            <a:off x="1625264" y="1796521"/>
+            <a:ext cx="5544319" cy="1793750"/>
+            <a:chOff x="1625264" y="1796521"/>
+            <a:chExt cx="5544319" cy="1793750"/>
+          </a:xfrm>
+        </p:grpSpPr>
+        <p:pic>
+          <p:nvPicPr>
+            <p:cNvPr id="3" name="Object 2"/>
+            <p:cNvPicPr>
+              <a:picLocks noChangeAspect="1"/>
+            </p:cNvPicPr>
+            <p:nvPr/>
+          </p:nvPicPr>
+          <p:blipFill>
+            <a:blip r:embed="rId2" cstate="print"/>
+            <a:stretch>
+              <a:fillRect/>
+            </a:stretch>
+          </p:blipFill>
+          <p:spPr>
+            <a:xfrm>
+              <a:off x="1625264" y="1796521"/>
+              <a:ext cx="5544319" cy="1793750"/>
+            </a:xfrm>
+            <a:prstGeom prst="rect">
+              <a:avLst/>
+            </a:prstGeom>
+          </p:spPr>
+        </p:pic>
+      </p:grpSp>
+      <p:pic>
+        <p:nvPicPr>
+          <p:cNvPr id="5" name="Object 4"/>
+          <p:cNvPicPr>
+            <a:picLocks noChangeAspect="1"/>
+          </p:cNvPicPr>
+          <p:nvPr/>
+        </p:nvPicPr>
+        <p:blipFill>
+          <a:blip r:embed="rId3" cstate="print"/>
+          <a:stretch>
+            <a:fillRect/>
+          </a:stretch>
+        </p:blipFill>
+        <p:spPr>
+          <a:xfrm>
+            <a:off x="1250671" y="2032011"/>
+            <a:ext cx="5577576" cy="1303874"/>
+          </a:xfrm>
+          <a:prstGeom prst="rect">
+            <a:avLst/>
+          </a:prstGeom>
+        </p:spPr>
+      </p:pic>
+      <p:grpSp>
+        <p:nvGrpSpPr>
+          <p:cNvPr id="1002" name="그룹 1002"/>
+          <p:cNvGrpSpPr/>
+          <p:nvPr/>
+        </p:nvGrpSpPr>
+        <p:grpSpPr>
+          <a:xfrm>
+            <a:off x="1625264" y="4013122"/>
+            <a:ext cx="5544319" cy="1793750"/>
+            <a:chOff x="1625264" y="4013122"/>
+            <a:chExt cx="5544319" cy="1793750"/>
+          </a:xfrm>
+        </p:grpSpPr>
+        <p:pic>
+          <p:nvPicPr>
+            <p:cNvPr id="7" name="Object 6"/>
+            <p:cNvPicPr>
+              <a:picLocks noChangeAspect="1"/>
+            </p:cNvPicPr>
+            <p:nvPr/>
+          </p:nvPicPr>
+          <p:blipFill>
+            <a:blip r:embed="rId2" cstate="print"/>
+            <a:stretch>
+              <a:fillRect/>
+            </a:stretch>
+          </p:blipFill>
+          <p:spPr>
+            <a:xfrm>
+              <a:off x="1625264" y="4013122"/>
+              <a:ext cx="5544319" cy="1793750"/>
+            </a:xfrm>
+            <a:prstGeom prst="rect">
+              <a:avLst/>
+            </a:prstGeom>
+          </p:spPr>
+        </p:pic>
+      </p:grpSp>
+      <p:pic>
+        <p:nvPicPr>
+          <p:cNvPr id="9" name="Object 8"/>
+          <p:cNvPicPr>
+            <a:picLocks noChangeAspect="1"/>
+          </p:cNvPicPr>
+          <p:nvPr/>
+        </p:nvPicPr>
+        <p:blipFill>
+          <a:blip r:embed="rId4" cstate="print"/>
+          <a:stretch>
+            <a:fillRect/>
+          </a:stretch>
+        </p:blipFill>
+        <p:spPr>
+          <a:xfrm>
+            <a:off x="1267814" y="4343685"/>
+            <a:ext cx="5664273" cy="992504"/>
+          </a:xfrm>
+          <a:prstGeom prst="rect">
+            <a:avLst/>
+          </a:prstGeom>
+        </p:spPr>
+      </p:pic>
+      <p:grpSp>
+        <p:nvGrpSpPr>
+          <p:cNvPr id="1003" name="그룹 1003"/>
+          <p:cNvGrpSpPr/>
+          <p:nvPr/>
+        </p:nvGrpSpPr>
+        <p:grpSpPr>
+          <a:xfrm>
+            <a:off x="623618" y="7622241"/>
+            <a:ext cx="2552510" cy="825812"/>
+            <a:chOff x="623618" y="7622241"/>
+            <a:chExt cx="2552510" cy="825812"/>
+          </a:xfrm>
+        </p:grpSpPr>
+        <p:grpSp>
+          <p:nvGrpSpPr>
+            <p:cNvPr id="1004" name="그룹 1004"/>
+            <p:cNvGrpSpPr/>
+            <p:nvPr/>
+          </p:nvGrpSpPr>
+          <p:grpSpPr>
+            <a:xfrm>
+              <a:off x="623618" y="7622241"/>
+              <a:ext cx="2552510" cy="825812"/>
+              <a:chOff x="623618" y="7622241"/>
+              <a:chExt cx="2552510" cy="825812"/>
+            </a:xfrm>
+          </p:grpSpPr>
+          <p:pic>
+            <p:nvPicPr>
+              <p:cNvPr id="12" name="Object 11"/>
+              <p:cNvPicPr>
+                <a:picLocks noChangeAspect="1"/>
+              </p:cNvPicPr>
+              <p:nvPr/>
+            </p:nvPicPr>
+            <p:blipFill>
+              <a:blip r:embed="rId5" cstate="print"/>
+              <a:stretch>
+                <a:fillRect/>
+              </a:stretch>
+            </p:blipFill>
+            <p:spPr>
+              <a:xfrm>
+                <a:off x="623618" y="7622241"/>
+                <a:ext cx="2552510" cy="825812"/>
+              </a:xfrm>
+              <a:prstGeom prst="rect">
+                <a:avLst/>
+              </a:prstGeom>
+            </p:spPr>
+          </p:pic>
+        </p:grpSp>
+        <p:pic>
+          <p:nvPicPr>
+            <p:cNvPr id="14" name="Object 13"/>
+            <p:cNvPicPr>
+              <a:picLocks noChangeAspect="1"/>
+            </p:cNvPicPr>
+            <p:nvPr/>
+          </p:nvPicPr>
+          <p:blipFill>
+            <a:blip r:embed="rId6" cstate="print"/>
+            <a:stretch>
+              <a:fillRect/>
+            </a:stretch>
+          </p:blipFill>
+          <p:spPr>
+            <a:xfrm>
+              <a:off x="785403" y="7592562"/>
+              <a:ext cx="1991267" cy="759714"/>
+            </a:xfrm>
+            <a:prstGeom prst="rect">
+              <a:avLst/>
+            </a:prstGeom>
+          </p:spPr>
+        </p:pic>
+      </p:grpSp>
+      <p:grpSp>
+        <p:nvGrpSpPr>
+          <p:cNvPr id="1005" name="그룹 1005"/>
+          <p:cNvGrpSpPr/>
+          <p:nvPr/>
+        </p:nvGrpSpPr>
+        <p:grpSpPr>
+          <a:xfrm>
+            <a:off x="520761" y="8706083"/>
+            <a:ext cx="2725441" cy="881760"/>
+            <a:chOff x="520761" y="8706083"/>
+            <a:chExt cx="2725441" cy="881760"/>
+          </a:xfrm>
+        </p:grpSpPr>
+        <p:grpSp>
+          <p:nvGrpSpPr>
+            <p:cNvPr id="1006" name="그룹 1006"/>
+            <p:cNvGrpSpPr/>
+            <p:nvPr/>
+          </p:nvGrpSpPr>
+          <p:grpSpPr>
+            <a:xfrm>
+              <a:off x="520761" y="8706083"/>
+              <a:ext cx="2725441" cy="881760"/>
+              <a:chOff x="520761" y="8706083"/>
+              <a:chExt cx="2725441" cy="881760"/>
+            </a:xfrm>
+          </p:grpSpPr>
+          <p:pic>
+            <p:nvPicPr>
+              <p:cNvPr id="18" name="Object 17"/>
+              <p:cNvPicPr>
+                <a:picLocks noChangeAspect="1"/>
+              </p:cNvPicPr>
+              <p:nvPr/>
+            </p:nvPicPr>
+            <p:blipFill>
+              <a:blip r:embed="rId7" cstate="print"/>
+              <a:stretch>
+                <a:fillRect/>
+              </a:stretch>
+            </p:blipFill>
+            <p:spPr>
+              <a:xfrm>
+                <a:off x="520761" y="8706083"/>
+                <a:ext cx="2725441" cy="881760"/>
+              </a:xfrm>
+              <a:prstGeom prst="rect">
+                <a:avLst/>
+              </a:prstGeom>
+            </p:spPr>
+          </p:pic>
+        </p:grpSp>
+        <p:pic>
+          <p:nvPicPr>
+            <p:cNvPr id="20" name="Object 19"/>
+            <p:cNvPicPr>
+              <a:picLocks noChangeAspect="1"/>
+            </p:cNvPicPr>
+            <p:nvPr/>
+          </p:nvPicPr>
+          <p:blipFill>
+            <a:blip r:embed="rId8" cstate="print"/>
+            <a:stretch>
+              <a:fillRect/>
+            </a:stretch>
+          </p:blipFill>
+          <p:spPr>
+            <a:xfrm>
+              <a:off x="683487" y="8623301"/>
+              <a:ext cx="2111481" cy="999229"/>
+            </a:xfrm>
+            <a:prstGeom prst="rect">
+              <a:avLst/>
+            </a:prstGeom>
+          </p:spPr>
+        </p:pic>
+      </p:grpSp>
+      <p:grpSp>
+        <p:nvGrpSpPr>
+          <p:cNvPr id="1007" name="그룹 1007"/>
+          <p:cNvGrpSpPr/>
+          <p:nvPr/>
+        </p:nvGrpSpPr>
+        <p:grpSpPr>
+          <a:xfrm>
+            <a:off x="4075246" y="7519384"/>
+            <a:ext cx="1422291" cy="1422291"/>
+            <a:chOff x="4075246" y="7519384"/>
+            <a:chExt cx="1422291" cy="1422291"/>
+          </a:xfrm>
+        </p:grpSpPr>
+        <p:pic>
+          <p:nvPicPr>
+            <p:cNvPr id="23" name="Object 22"/>
+            <p:cNvPicPr>
+              <a:picLocks noChangeAspect="1"/>
+            </p:cNvPicPr>
+            <p:nvPr/>
+          </p:nvPicPr>
+          <p:blipFill>
+            <a:blip r:embed="rId9" cstate="print"/>
+            <a:stretch>
+              <a:fillRect/>
+            </a:stretch>
+          </p:blipFill>
+          <p:spPr>
+            <a:xfrm>
+              <a:off x="4075246" y="7519384"/>
+              <a:ext cx="1422291" cy="1422291"/>
+            </a:xfrm>
+            <a:prstGeom prst="rect">
+              <a:avLst/>
+            </a:prstGeom>
+          </p:spPr>
+        </p:pic>
+      </p:grpSp>
+      <p:grpSp>
+        <p:nvGrpSpPr>
+          <p:cNvPr id="1008" name="그룹 1008"/>
+          <p:cNvGrpSpPr/>
+          <p:nvPr/>
+        </p:nvGrpSpPr>
+        <p:grpSpPr>
+          <a:xfrm>
+            <a:off x="532556" y="6655444"/>
+            <a:ext cx="2552510" cy="825812"/>
+            <a:chOff x="532556" y="6655444"/>
+            <a:chExt cx="2552510" cy="825812"/>
+          </a:xfrm>
+        </p:grpSpPr>
+        <p:grpSp>
+          <p:nvGrpSpPr>
+            <p:cNvPr id="1009" name="그룹 1009"/>
+            <p:cNvGrpSpPr/>
+            <p:nvPr/>
+          </p:nvGrpSpPr>
+          <p:grpSpPr>
+            <a:xfrm>
+              <a:off x="532556" y="6655444"/>
+              <a:ext cx="2552510" cy="825812"/>
+              <a:chOff x="532556" y="6655444"/>
+              <a:chExt cx="2552510" cy="825812"/>
+            </a:xfrm>
+          </p:grpSpPr>
+          <p:pic>
+            <p:nvPicPr>
+              <p:cNvPr id="27" name="Object 26"/>
+              <p:cNvPicPr>
+                <a:picLocks noChangeAspect="1"/>
+              </p:cNvPicPr>
+              <p:nvPr/>
+            </p:nvPicPr>
+            <p:blipFill>
+              <a:blip r:embed="rId5" cstate="print"/>
+              <a:stretch>
+                <a:fillRect/>
+              </a:stretch>
+            </p:blipFill>
+            <p:spPr>
+              <a:xfrm>
+                <a:off x="532556" y="6655444"/>
+                <a:ext cx="2552510" cy="825812"/>
+              </a:xfrm>
+              <a:prstGeom prst="rect">
+                <a:avLst/>
+              </a:prstGeom>
+            </p:spPr>
+          </p:pic>
+        </p:grpSp>
+        <p:pic>
+          <p:nvPicPr>
+            <p:cNvPr id="29" name="Object 28"/>
+            <p:cNvPicPr>
+              <a:picLocks noChangeAspect="1"/>
+            </p:cNvPicPr>
+            <p:nvPr/>
+          </p:nvPicPr>
+          <p:blipFill>
+            <a:blip r:embed="rId10" cstate="print"/>
+            <a:stretch>
+              <a:fillRect/>
+            </a:stretch>
+          </p:blipFill>
+          <p:spPr>
+            <a:xfrm>
+              <a:off x="694341" y="6636848"/>
+              <a:ext cx="1978334" cy="795914"/>
+            </a:xfrm>
+            <a:prstGeom prst="rect">
+              <a:avLst/>
+            </a:prstGeom>
+          </p:spPr>
+        </p:pic>
+      </p:grpSp>
+    </p:spTree>
+  </p:cSld>
+  <p:clrMapOvr>
+    <a:masterClrMapping/>
+  </p:clrMapOvr>
+</p:sld>
+</file>
+
+<file path=ppt/slides/slide11.xml><?xml version="1.0" encoding="utf-8"?>
+<p:sld xmlns:a="http://schemas.openxmlformats.org/drawingml/2006/main" xmlns:r="http://schemas.openxmlformats.org/officeDocument/2006/relationships" xmlns:p="http://schemas.openxmlformats.org/presentationml/2006/main">
+  <p:cSld name="Slide 9">
     <p:bg>
       <p:bgPr>
         <a:solidFill>
@@ -3718,6 +4165,108 @@
           </p:spPr>
         </p:pic>
       </p:grpSp>
+      <p:pic>
+        <p:nvPicPr>
+          <p:cNvPr id="26" name="Object 25"/>
+          <p:cNvPicPr>
+            <a:picLocks noChangeAspect="1"/>
+          </p:cNvPicPr>
+          <p:nvPr/>
+        </p:nvPicPr>
+        <p:blipFill>
+          <a:blip r:embed="rId10" cstate="print"/>
+          <a:stretch>
+            <a:fillRect/>
+          </a:stretch>
+        </p:blipFill>
+        <p:spPr>
+          <a:xfrm>
+            <a:off x="1287520" y="8142496"/>
+            <a:ext cx="7760193" cy="2148345"/>
+          </a:xfrm>
+          <a:prstGeom prst="rect">
+            <a:avLst/>
+          </a:prstGeom>
+        </p:spPr>
+      </p:pic>
+      <p:grpSp>
+        <p:nvGrpSpPr>
+          <p:cNvPr id="1009" name="그룹 1009"/>
+          <p:cNvGrpSpPr/>
+          <p:nvPr/>
+        </p:nvGrpSpPr>
+        <p:grpSpPr>
+          <a:xfrm>
+            <a:off x="1991711" y="4123369"/>
+            <a:ext cx="6302293" cy="2038977"/>
+            <a:chOff x="1991711" y="4123369"/>
+            <a:chExt cx="6302293" cy="2038977"/>
+          </a:xfrm>
+        </p:grpSpPr>
+        <p:grpSp>
+          <p:nvGrpSpPr>
+            <p:cNvPr id="1010" name="그룹 1010"/>
+            <p:cNvGrpSpPr/>
+            <p:nvPr/>
+          </p:nvGrpSpPr>
+          <p:grpSpPr>
+            <a:xfrm>
+              <a:off x="1991711" y="4123369"/>
+              <a:ext cx="6302293" cy="2038977"/>
+              <a:chOff x="1991711" y="4123369"/>
+              <a:chExt cx="6302293" cy="2038977"/>
+            </a:xfrm>
+          </p:grpSpPr>
+          <p:pic>
+            <p:nvPicPr>
+              <p:cNvPr id="29" name="Object 28"/>
+              <p:cNvPicPr>
+                <a:picLocks noChangeAspect="1"/>
+              </p:cNvPicPr>
+              <p:nvPr/>
+            </p:nvPicPr>
+            <p:blipFill>
+              <a:blip r:embed="rId11" cstate="print"/>
+              <a:stretch>
+                <a:fillRect/>
+              </a:stretch>
+            </p:blipFill>
+            <p:spPr>
+              <a:xfrm>
+                <a:off x="1991711" y="4123369"/>
+                <a:ext cx="6302293" cy="2038977"/>
+              </a:xfrm>
+              <a:prstGeom prst="rect">
+                <a:avLst/>
+              </a:prstGeom>
+            </p:spPr>
+          </p:pic>
+        </p:grpSp>
+        <p:pic>
+          <p:nvPicPr>
+            <p:cNvPr id="31" name="Object 30"/>
+            <p:cNvPicPr>
+              <a:picLocks noChangeAspect="1"/>
+            </p:cNvPicPr>
+            <p:nvPr/>
+          </p:nvPicPr>
+          <p:blipFill>
+            <a:blip r:embed="rId12" cstate="print"/>
+            <a:stretch>
+              <a:fillRect/>
+            </a:stretch>
+          </p:blipFill>
+          <p:spPr>
+            <a:xfrm>
+              <a:off x="2024604" y="4054894"/>
+              <a:ext cx="5163661" cy="1985211"/>
+            </a:xfrm>
+            <a:prstGeom prst="rect">
+              <a:avLst/>
+            </a:prstGeom>
+          </p:spPr>
+        </p:pic>
+      </p:grpSp>
     </p:spTree>
   </p:cSld>
   <p:clrMapOvr>
@@ -3726,7 +4275,352 @@
 </p:sld>
 </file>
 
-<file path=ppt/slides/slide11.xml><?xml version="1.0" encoding="utf-8"?>
+<file path=ppt/slides/slide12.xml><?xml version="1.0" encoding="utf-8"?>
+<p:sld xmlns:a="http://schemas.openxmlformats.org/drawingml/2006/main" xmlns:r="http://schemas.openxmlformats.org/officeDocument/2006/relationships" xmlns:p="http://schemas.openxmlformats.org/presentationml/2006/main">
+  <p:cSld name="Slide 10">
+    <p:bg>
+      <p:bgPr>
+        <a:solidFill>
+          <a:srgbClr val="64D6ED"/>
+        </a:solidFill>
+        <a:effectLst/>
+      </p:bgPr>
+    </p:bg>
+    <p:spTree>
+      <p:nvGrpSpPr>
+        <p:cNvPr id="1" name=""/>
+        <p:cNvGrpSpPr/>
+        <p:nvPr/>
+      </p:nvGrpSpPr>
+      <p:grpSpPr>
+        <a:xfrm>
+          <a:off x="0" y="0"/>
+          <a:ext cx="0" cy="0"/>
+          <a:chOff x="0" y="0"/>
+          <a:chExt cx="0" cy="0"/>
+        </a:xfrm>
+      </p:grpSpPr>
+      <p:grpSp>
+        <p:nvGrpSpPr>
+          <p:cNvPr id="1001" name="그룹 1001"/>
+          <p:cNvGrpSpPr/>
+          <p:nvPr/>
+        </p:nvGrpSpPr>
+        <p:grpSpPr>
+          <a:xfrm>
+            <a:off x="1574480" y="1175250"/>
+            <a:ext cx="875039" cy="972250"/>
+            <a:chOff x="1574480" y="1175250"/>
+            <a:chExt cx="875039" cy="972250"/>
+          </a:xfrm>
+        </p:grpSpPr>
+        <p:pic>
+          <p:nvPicPr>
+            <p:cNvPr id="3" name="Object 2"/>
+            <p:cNvPicPr>
+              <a:picLocks noChangeAspect="1"/>
+            </p:cNvPicPr>
+            <p:nvPr/>
+          </p:nvPicPr>
+          <p:blipFill>
+            <a:blip r:embed="rId2" cstate="print"/>
+            <a:stretch>
+              <a:fillRect/>
+            </a:stretch>
+          </p:blipFill>
+          <p:spPr>
+            <a:xfrm>
+              <a:off x="1574480" y="1175250"/>
+              <a:ext cx="875039" cy="972250"/>
+            </a:xfrm>
+            <a:prstGeom prst="rect">
+              <a:avLst/>
+            </a:prstGeom>
+          </p:spPr>
+        </p:pic>
+      </p:grpSp>
+      <p:pic>
+        <p:nvPicPr>
+          <p:cNvPr id="5" name="Object 4"/>
+          <p:cNvPicPr>
+            <a:picLocks noChangeAspect="1"/>
+          </p:cNvPicPr>
+          <p:nvPr/>
+        </p:nvPicPr>
+        <p:blipFill>
+          <a:blip r:embed="rId3" cstate="print"/>
+          <a:stretch>
+            <a:fillRect/>
+          </a:stretch>
+        </p:blipFill>
+        <p:spPr>
+          <a:xfrm>
+            <a:off x="1948909" y="1067824"/>
+            <a:ext cx="2308199" cy="1199608"/>
+          </a:xfrm>
+          <a:prstGeom prst="rect">
+            <a:avLst/>
+          </a:prstGeom>
+        </p:spPr>
+      </p:pic>
+      <p:grpSp>
+        <p:nvGrpSpPr>
+          <p:cNvPr id="1002" name="그룹 1002"/>
+          <p:cNvGrpSpPr/>
+          <p:nvPr/>
+        </p:nvGrpSpPr>
+        <p:grpSpPr>
+          <a:xfrm>
+            <a:off x="0" y="7959273"/>
+            <a:ext cx="10841507" cy="3571509"/>
+            <a:chOff x="0" y="7959273"/>
+            <a:chExt cx="10841507" cy="3571509"/>
+          </a:xfrm>
+        </p:grpSpPr>
+        <p:grpSp>
+          <p:nvGrpSpPr>
+            <p:cNvPr id="1003" name="그룹 1003"/>
+            <p:cNvGrpSpPr/>
+            <p:nvPr/>
+          </p:nvGrpSpPr>
+          <p:grpSpPr>
+            <a:xfrm>
+              <a:off x="0" y="8316170"/>
+              <a:ext cx="10841507" cy="3214612"/>
+              <a:chOff x="0" y="8316170"/>
+              <a:chExt cx="10841507" cy="3214612"/>
+            </a:xfrm>
+          </p:grpSpPr>
+          <p:pic>
+            <p:nvPicPr>
+              <p:cNvPr id="8" name="Object 7"/>
+              <p:cNvPicPr>
+                <a:picLocks noChangeAspect="1"/>
+              </p:cNvPicPr>
+              <p:nvPr/>
+            </p:nvPicPr>
+            <p:blipFill>
+              <a:blip r:embed="rId4" cstate="print"/>
+              <a:stretch>
+                <a:fillRect/>
+              </a:stretch>
+            </p:blipFill>
+            <p:spPr>
+              <a:xfrm>
+                <a:off x="0" y="8316170"/>
+                <a:ext cx="10841507" cy="3214612"/>
+              </a:xfrm>
+              <a:prstGeom prst="rect">
+                <a:avLst/>
+              </a:prstGeom>
+            </p:spPr>
+          </p:pic>
+        </p:grpSp>
+        <p:grpSp>
+          <p:nvGrpSpPr>
+            <p:cNvPr id="1004" name="그룹 1004"/>
+            <p:cNvGrpSpPr/>
+            <p:nvPr/>
+          </p:nvGrpSpPr>
+          <p:grpSpPr>
+            <a:xfrm>
+              <a:off x="0" y="7959273"/>
+              <a:ext cx="10841507" cy="647622"/>
+              <a:chOff x="0" y="7959273"/>
+              <a:chExt cx="10841507" cy="647622"/>
+            </a:xfrm>
+          </p:grpSpPr>
+          <p:pic>
+            <p:nvPicPr>
+              <p:cNvPr id="11" name="Object 10"/>
+              <p:cNvPicPr>
+                <a:picLocks noChangeAspect="1"/>
+              </p:cNvPicPr>
+              <p:nvPr/>
+            </p:nvPicPr>
+            <p:blipFill>
+              <a:blip r:embed="rId5" cstate="print"/>
+              <a:stretch>
+                <a:fillRect/>
+              </a:stretch>
+            </p:blipFill>
+            <p:spPr>
+              <a:xfrm>
+                <a:off x="0" y="7959273"/>
+                <a:ext cx="10841507" cy="647622"/>
+              </a:xfrm>
+              <a:prstGeom prst="rect">
+                <a:avLst/>
+              </a:prstGeom>
+            </p:spPr>
+          </p:pic>
+        </p:grpSp>
+      </p:grpSp>
+      <p:grpSp>
+        <p:nvGrpSpPr>
+          <p:cNvPr id="1005" name="그룹 1005"/>
+          <p:cNvGrpSpPr/>
+          <p:nvPr/>
+        </p:nvGrpSpPr>
+        <p:grpSpPr>
+          <a:xfrm>
+            <a:off x="888939" y="2329966"/>
+            <a:ext cx="2374773" cy="1158455"/>
+            <a:chOff x="888939" y="2329966"/>
+            <a:chExt cx="2374773" cy="1158455"/>
+          </a:xfrm>
+        </p:grpSpPr>
+        <p:pic>
+          <p:nvPicPr>
+            <p:cNvPr id="15" name="Object 14"/>
+            <p:cNvPicPr>
+              <a:picLocks noChangeAspect="1"/>
+            </p:cNvPicPr>
+            <p:nvPr/>
+          </p:nvPicPr>
+          <p:blipFill>
+            <a:blip r:embed="rId6" cstate="print"/>
+            <a:stretch>
+              <a:fillRect/>
+            </a:stretch>
+          </p:blipFill>
+          <p:spPr>
+            <a:xfrm>
+              <a:off x="888939" y="2329966"/>
+              <a:ext cx="2374773" cy="1158455"/>
+            </a:xfrm>
+            <a:prstGeom prst="rect">
+              <a:avLst/>
+            </a:prstGeom>
+          </p:spPr>
+        </p:pic>
+      </p:grpSp>
+      <p:grpSp>
+        <p:nvGrpSpPr>
+          <p:cNvPr id="1006" name="그룹 1006"/>
+          <p:cNvGrpSpPr/>
+          <p:nvPr/>
+        </p:nvGrpSpPr>
+        <p:grpSpPr>
+          <a:xfrm>
+            <a:off x="5142857" y="3252263"/>
+            <a:ext cx="3875621" cy="1890594"/>
+            <a:chOff x="5142857" y="3252263"/>
+            <a:chExt cx="3875621" cy="1890594"/>
+          </a:xfrm>
+        </p:grpSpPr>
+        <p:pic>
+          <p:nvPicPr>
+            <p:cNvPr id="18" name="Object 17"/>
+            <p:cNvPicPr>
+              <a:picLocks noChangeAspect="1"/>
+            </p:cNvPicPr>
+            <p:nvPr/>
+          </p:nvPicPr>
+          <p:blipFill>
+            <a:blip r:embed="rId7" cstate="print"/>
+            <a:stretch>
+              <a:fillRect/>
+            </a:stretch>
+          </p:blipFill>
+          <p:spPr>
+            <a:xfrm>
+              <a:off x="5142857" y="3252263"/>
+              <a:ext cx="3875621" cy="1890594"/>
+            </a:xfrm>
+            <a:prstGeom prst="rect">
+              <a:avLst/>
+            </a:prstGeom>
+          </p:spPr>
+        </p:pic>
+      </p:grpSp>
+      <p:grpSp>
+        <p:nvGrpSpPr>
+          <p:cNvPr id="1007" name="그룹 1007"/>
+          <p:cNvGrpSpPr/>
+          <p:nvPr/>
+        </p:nvGrpSpPr>
+        <p:grpSpPr>
+          <a:xfrm>
+            <a:off x="6025981" y="2909193"/>
+            <a:ext cx="495694" cy="495694"/>
+            <a:chOff x="6025981" y="2909193"/>
+            <a:chExt cx="495694" cy="495694"/>
+          </a:xfrm>
+        </p:grpSpPr>
+        <p:pic>
+          <p:nvPicPr>
+            <p:cNvPr id="21" name="Object 20"/>
+            <p:cNvPicPr>
+              <a:picLocks noChangeAspect="1"/>
+            </p:cNvPicPr>
+            <p:nvPr/>
+          </p:nvPicPr>
+          <p:blipFill>
+            <a:blip r:embed="rId8" cstate="print"/>
+            <a:stretch>
+              <a:fillRect/>
+            </a:stretch>
+          </p:blipFill>
+          <p:spPr>
+            <a:xfrm>
+              <a:off x="6025981" y="2909193"/>
+              <a:ext cx="495694" cy="495694"/>
+            </a:xfrm>
+            <a:prstGeom prst="rect">
+              <a:avLst/>
+            </a:prstGeom>
+          </p:spPr>
+        </p:pic>
+      </p:grpSp>
+      <p:grpSp>
+        <p:nvGrpSpPr>
+          <p:cNvPr id="1008" name="그룹 1008"/>
+          <p:cNvGrpSpPr/>
+          <p:nvPr/>
+        </p:nvGrpSpPr>
+        <p:grpSpPr>
+          <a:xfrm>
+            <a:off x="2939693" y="2867331"/>
+            <a:ext cx="580289" cy="580289"/>
+            <a:chOff x="2939693" y="2867331"/>
+            <a:chExt cx="580289" cy="580289"/>
+          </a:xfrm>
+        </p:grpSpPr>
+        <p:pic>
+          <p:nvPicPr>
+            <p:cNvPr id="24" name="Object 23"/>
+            <p:cNvPicPr>
+              <a:picLocks noChangeAspect="1"/>
+            </p:cNvPicPr>
+            <p:nvPr/>
+          </p:nvPicPr>
+          <p:blipFill>
+            <a:blip r:embed="rId9" cstate="print"/>
+            <a:stretch>
+              <a:fillRect/>
+            </a:stretch>
+          </p:blipFill>
+          <p:spPr>
+            <a:xfrm>
+              <a:off x="2939693" y="2867331"/>
+              <a:ext cx="580289" cy="580289"/>
+            </a:xfrm>
+            <a:prstGeom prst="rect">
+              <a:avLst/>
+            </a:prstGeom>
+          </p:spPr>
+        </p:pic>
+      </p:grpSp>
+    </p:spTree>
+  </p:cSld>
+  <p:clrMapOvr>
+    <a:masterClrMapping/>
+  </p:clrMapOvr>
+</p:sld>
+</file>
+
+<file path=ppt/slides/slide13.xml><?xml version="1.0" encoding="utf-8"?>
 <p:sld xmlns:a="http://schemas.openxmlformats.org/drawingml/2006/main" xmlns:r="http://schemas.openxmlformats.org/officeDocument/2006/relationships" xmlns:p="http://schemas.openxmlformats.org/presentationml/2006/main">
   <p:cSld name="Slide 11">
     <p:bg>
@@ -4173,7 +5067,7 @@
 </p:sld>
 </file>
 
-<file path=ppt/slides/slide12.xml><?xml version="1.0" encoding="utf-8"?>
+<file path=ppt/slides/slide14.xml><?xml version="1.0" encoding="utf-8"?>
 <p:sld xmlns:a="http://schemas.openxmlformats.org/drawingml/2006/main" xmlns:r="http://schemas.openxmlformats.org/officeDocument/2006/relationships" xmlns:p="http://schemas.openxmlformats.org/presentationml/2006/main">
   <p:cSld name="Slide 12">
     <p:bg>
@@ -4431,7 +5325,7 @@
             <p:nvPr/>
           </p:nvPicPr>
           <p:blipFill>
-            <a:blip r:embed="rId7" cstate="print"/>
+            <a:blip r:embed="rId6" cstate="print"/>
             <a:stretch>
               <a:fillRect/>
             </a:stretch>
@@ -4470,7 +5364,7 @@
             <p:nvPr/>
           </p:nvPicPr>
           <p:blipFill>
-            <a:blip r:embed="rId8" cstate="print"/>
+            <a:blip r:embed="rId7" cstate="print"/>
             <a:stretch>
               <a:fillRect/>
             </a:stretch>
@@ -4495,7 +5389,7 @@
           <p:nvPr/>
         </p:nvPicPr>
         <p:blipFill>
-          <a:blip r:embed="rId9" cstate="print"/>
+          <a:blip r:embed="rId8" cstate="print"/>
           <a:stretch>
             <a:fillRect/>
           </a:stretch>
@@ -4533,7 +5427,7 @@
             <p:nvPr/>
           </p:nvPicPr>
           <p:blipFill>
-            <a:blip r:embed="rId10" cstate="print"/>
+            <a:blip r:embed="rId9" cstate="print"/>
             <a:stretch>
               <a:fillRect/>
             </a:stretch>
@@ -4558,7 +5452,7 @@
           <p:nvPr/>
         </p:nvPicPr>
         <p:blipFill>
-          <a:blip r:embed="rId11" cstate="print"/>
+          <a:blip r:embed="rId10" cstate="print"/>
           <a:stretch>
             <a:fillRect/>
           </a:stretch>
@@ -4574,6 +5468,1197 @@
         </p:spPr>
       </p:pic>
     </p:spTree>
+  </p:cSld>
+  <p:clrMapOvr>
+    <a:masterClrMapping/>
+  </p:clrMapOvr>
+</p:sld>
+</file>
+
+<file path=ppt/slides/slide15.xml><?xml version="1.0" encoding="utf-8"?>
+<p:sld xmlns:a="http://schemas.openxmlformats.org/drawingml/2006/main" xmlns:r="http://schemas.openxmlformats.org/officeDocument/2006/relationships" xmlns:p="http://schemas.openxmlformats.org/presentationml/2006/main">
+  <p:cSld>
+    <p:spTree>
+      <p:nvGrpSpPr>
+        <p:cNvPr id="1" name=""/>
+        <p:cNvGrpSpPr/>
+        <p:nvPr/>
+      </p:nvGrpSpPr>
+      <p:grpSpPr>
+        <a:xfrm>
+          <a:off x="0" y="0"/>
+          <a:ext cx="0" cy="0"/>
+          <a:chOff x="0" y="0"/>
+          <a:chExt cx="0" cy="0"/>
+        </a:xfrm>
+      </p:grpSpPr>
+      <p:grpSp>
+        <p:nvGrpSpPr>
+          <p:cNvPr id="1001" name="그룹 1001"/>
+          <p:cNvGrpSpPr/>
+          <p:nvPr/>
+        </p:nvGrpSpPr>
+        <p:grpSpPr>
+          <a:xfrm>
+            <a:off x="-10714" y="6630931"/>
+            <a:ext cx="10285714" cy="3388415"/>
+            <a:chOff x="-19048" y="7787823"/>
+            <a:chExt cx="18285714" cy="6023848"/>
+          </a:xfrm>
+        </p:grpSpPr>
+        <p:grpSp>
+          <p:nvGrpSpPr>
+            <p:cNvPr id="1002" name="그룹 1002"/>
+            <p:cNvGrpSpPr/>
+            <p:nvPr/>
+          </p:nvGrpSpPr>
+          <p:grpSpPr>
+            <a:xfrm>
+              <a:off x="-19048" y="8389780"/>
+              <a:ext cx="18285714" cy="5421891"/>
+              <a:chOff x="-19048" y="8389780"/>
+              <a:chExt cx="18285714" cy="5421891"/>
+            </a:xfrm>
+          </p:grpSpPr>
+          <p:pic>
+            <p:nvPicPr>
+              <p:cNvPr id="4" name="Object 3"/>
+              <p:cNvPicPr>
+                <a:picLocks noChangeAspect="1"/>
+              </p:cNvPicPr>
+              <p:nvPr/>
+            </p:nvPicPr>
+            <p:blipFill>
+              <a:blip r:embed="rId2" cstate="print"/>
+              <a:stretch>
+                <a:fillRect/>
+              </a:stretch>
+            </p:blipFill>
+            <p:spPr>
+              <a:xfrm>
+                <a:off x="-19048" y="8389780"/>
+                <a:ext cx="18285714" cy="5421891"/>
+              </a:xfrm>
+              <a:prstGeom prst="rect">
+                <a:avLst/>
+              </a:prstGeom>
+            </p:spPr>
+          </p:pic>
+        </p:grpSp>
+        <p:grpSp>
+          <p:nvGrpSpPr>
+            <p:cNvPr id="1003" name="그룹 1003"/>
+            <p:cNvGrpSpPr/>
+            <p:nvPr/>
+          </p:nvGrpSpPr>
+          <p:grpSpPr>
+            <a:xfrm>
+              <a:off x="-19048" y="7787823"/>
+              <a:ext cx="18285714" cy="1092304"/>
+              <a:chOff x="-19048" y="7787823"/>
+              <a:chExt cx="18285714" cy="1092304"/>
+            </a:xfrm>
+          </p:grpSpPr>
+          <p:pic>
+            <p:nvPicPr>
+              <p:cNvPr id="7" name="Object 6"/>
+              <p:cNvPicPr>
+                <a:picLocks noChangeAspect="1"/>
+              </p:cNvPicPr>
+              <p:nvPr/>
+            </p:nvPicPr>
+            <p:blipFill>
+              <a:blip r:embed="rId3" cstate="print"/>
+              <a:stretch>
+                <a:fillRect/>
+              </a:stretch>
+            </p:blipFill>
+            <p:spPr>
+              <a:xfrm>
+                <a:off x="-19048" y="7787823"/>
+                <a:ext cx="18285714" cy="1092304"/>
+              </a:xfrm>
+              <a:prstGeom prst="rect">
+                <a:avLst/>
+              </a:prstGeom>
+            </p:spPr>
+          </p:pic>
+        </p:grpSp>
+      </p:grpSp>
+      <p:grpSp>
+        <p:nvGrpSpPr>
+          <p:cNvPr id="1004" name="그룹 1004"/>
+          <p:cNvGrpSpPr/>
+          <p:nvPr/>
+        </p:nvGrpSpPr>
+        <p:grpSpPr>
+          <a:xfrm>
+            <a:off x="1725173" y="2961991"/>
+            <a:ext cx="1557275" cy="759665"/>
+            <a:chOff x="3066973" y="1265261"/>
+            <a:chExt cx="2768489" cy="1350516"/>
+          </a:xfrm>
+        </p:grpSpPr>
+        <p:pic>
+          <p:nvPicPr>
+            <p:cNvPr id="11" name="Object 10"/>
+            <p:cNvPicPr>
+              <a:picLocks noChangeAspect="1"/>
+            </p:cNvPicPr>
+            <p:nvPr/>
+          </p:nvPicPr>
+          <p:blipFill>
+            <a:blip r:embed="rId4" cstate="print"/>
+            <a:stretch>
+              <a:fillRect/>
+            </a:stretch>
+          </p:blipFill>
+          <p:spPr>
+            <a:xfrm>
+              <a:off x="3066973" y="1265261"/>
+              <a:ext cx="2768489" cy="1350516"/>
+            </a:xfrm>
+            <a:prstGeom prst="rect">
+              <a:avLst/>
+            </a:prstGeom>
+          </p:spPr>
+        </p:pic>
+      </p:grpSp>
+      <p:grpSp>
+        <p:nvGrpSpPr>
+          <p:cNvPr id="1005" name="그룹 1005"/>
+          <p:cNvGrpSpPr/>
+          <p:nvPr/>
+        </p:nvGrpSpPr>
+        <p:grpSpPr>
+          <a:xfrm>
+            <a:off x="5142857" y="3795033"/>
+            <a:ext cx="2043731" cy="996967"/>
+            <a:chOff x="9142857" y="2746226"/>
+            <a:chExt cx="3633299" cy="1772385"/>
+          </a:xfrm>
+        </p:grpSpPr>
+        <p:pic>
+          <p:nvPicPr>
+            <p:cNvPr id="14" name="Object 13"/>
+            <p:cNvPicPr>
+              <a:picLocks noChangeAspect="1"/>
+            </p:cNvPicPr>
+            <p:nvPr/>
+          </p:nvPicPr>
+          <p:blipFill>
+            <a:blip r:embed="rId5" cstate="print"/>
+            <a:stretch>
+              <a:fillRect/>
+            </a:stretch>
+          </p:blipFill>
+          <p:spPr>
+            <a:xfrm>
+              <a:off x="9142857" y="2746226"/>
+              <a:ext cx="3633299" cy="1772385"/>
+            </a:xfrm>
+            <a:prstGeom prst="rect">
+              <a:avLst/>
+            </a:prstGeom>
+          </p:spPr>
+        </p:pic>
+      </p:grpSp>
+      <p:grpSp>
+        <p:nvGrpSpPr>
+          <p:cNvPr id="1006" name="그룹 1006"/>
+          <p:cNvGrpSpPr/>
+          <p:nvPr/>
+        </p:nvGrpSpPr>
+        <p:grpSpPr>
+          <a:xfrm>
+            <a:off x="5936997" y="3440359"/>
+            <a:ext cx="227726" cy="227726"/>
+            <a:chOff x="10554661" y="2115694"/>
+            <a:chExt cx="404846" cy="404846"/>
+          </a:xfrm>
+        </p:grpSpPr>
+        <p:pic>
+          <p:nvPicPr>
+            <p:cNvPr id="17" name="Object 16"/>
+            <p:cNvPicPr>
+              <a:picLocks noChangeAspect="1"/>
+            </p:cNvPicPr>
+            <p:nvPr/>
+          </p:nvPicPr>
+          <p:blipFill>
+            <a:blip r:embed="rId6" cstate="print"/>
+            <a:stretch>
+              <a:fillRect/>
+            </a:stretch>
+          </p:blipFill>
+          <p:spPr>
+            <a:xfrm>
+              <a:off x="10554661" y="2115694"/>
+              <a:ext cx="404846" cy="404846"/>
+            </a:xfrm>
+            <a:prstGeom prst="rect">
+              <a:avLst/>
+            </a:prstGeom>
+          </p:spPr>
+        </p:pic>
+      </p:grpSp>
+      <p:grpSp>
+        <p:nvGrpSpPr>
+          <p:cNvPr id="1007" name="그룹 1007"/>
+          <p:cNvGrpSpPr/>
+          <p:nvPr/>
+        </p:nvGrpSpPr>
+        <p:grpSpPr>
+          <a:xfrm>
+            <a:off x="3156222" y="3440359"/>
+            <a:ext cx="227726" cy="227726"/>
+            <a:chOff x="5611061" y="2115694"/>
+            <a:chExt cx="404846" cy="404846"/>
+          </a:xfrm>
+        </p:grpSpPr>
+        <p:pic>
+          <p:nvPicPr>
+            <p:cNvPr id="20" name="Object 19"/>
+            <p:cNvPicPr>
+              <a:picLocks noChangeAspect="1"/>
+            </p:cNvPicPr>
+            <p:nvPr/>
+          </p:nvPicPr>
+          <p:blipFill>
+            <a:blip r:embed="rId6" cstate="print"/>
+            <a:stretch>
+              <a:fillRect/>
+            </a:stretch>
+          </p:blipFill>
+          <p:spPr>
+            <a:xfrm>
+              <a:off x="5611061" y="2115694"/>
+              <a:ext cx="404846" cy="404846"/>
+            </a:xfrm>
+            <a:prstGeom prst="rect">
+              <a:avLst/>
+            </a:prstGeom>
+          </p:spPr>
+        </p:pic>
+      </p:grpSp>
+      <p:pic>
+        <p:nvPicPr>
+          <p:cNvPr id="22" name="Object 21"/>
+          <p:cNvPicPr>
+            <a:picLocks noChangeAspect="1"/>
+          </p:cNvPicPr>
+          <p:nvPr/>
+        </p:nvPicPr>
+        <p:blipFill>
+          <a:blip r:embed="rId7" cstate="print"/>
+          <a:stretch>
+            <a:fillRect/>
+          </a:stretch>
+        </p:blipFill>
+        <p:spPr>
+          <a:xfrm>
+            <a:off x="16001" y="3108447"/>
+            <a:ext cx="4644471" cy="2518018"/>
+          </a:xfrm>
+          <a:prstGeom prst="rect">
+            <a:avLst/>
+          </a:prstGeom>
+        </p:spPr>
+      </p:pic>
+      <p:grpSp>
+        <p:nvGrpSpPr>
+          <p:cNvPr id="1008" name="그룹 1008"/>
+          <p:cNvGrpSpPr/>
+          <p:nvPr/>
+        </p:nvGrpSpPr>
+        <p:grpSpPr>
+          <a:xfrm>
+            <a:off x="2458278" y="7036485"/>
+            <a:ext cx="1851339" cy="598962"/>
+            <a:chOff x="4370272" y="8508807"/>
+            <a:chExt cx="3291269" cy="1064822"/>
+          </a:xfrm>
+        </p:grpSpPr>
+        <p:grpSp>
+          <p:nvGrpSpPr>
+            <p:cNvPr id="1009" name="그룹 1009"/>
+            <p:cNvGrpSpPr/>
+            <p:nvPr/>
+          </p:nvGrpSpPr>
+          <p:grpSpPr>
+            <a:xfrm>
+              <a:off x="4370272" y="8508807"/>
+              <a:ext cx="3291269" cy="1064822"/>
+              <a:chOff x="4370272" y="8508807"/>
+              <a:chExt cx="3291269" cy="1064822"/>
+            </a:xfrm>
+          </p:grpSpPr>
+          <p:pic>
+            <p:nvPicPr>
+              <p:cNvPr id="25" name="Object 24"/>
+              <p:cNvPicPr>
+                <a:picLocks noChangeAspect="1"/>
+              </p:cNvPicPr>
+              <p:nvPr/>
+            </p:nvPicPr>
+            <p:blipFill>
+              <a:blip r:embed="rId8" cstate="print"/>
+              <a:stretch>
+                <a:fillRect/>
+              </a:stretch>
+            </p:blipFill>
+            <p:spPr>
+              <a:xfrm>
+                <a:off x="4370272" y="8508807"/>
+                <a:ext cx="3291269" cy="1064822"/>
+              </a:xfrm>
+              <a:prstGeom prst="rect">
+                <a:avLst/>
+              </a:prstGeom>
+            </p:spPr>
+          </p:pic>
+        </p:grpSp>
+        <p:pic>
+          <p:nvPicPr>
+            <p:cNvPr id="27" name="Object 26"/>
+            <p:cNvPicPr>
+              <a:picLocks noChangeAspect="1"/>
+            </p:cNvPicPr>
+            <p:nvPr/>
+          </p:nvPicPr>
+          <p:blipFill>
+            <a:blip r:embed="rId9" cstate="print"/>
+            <a:stretch>
+              <a:fillRect/>
+            </a:stretch>
+          </p:blipFill>
+          <p:spPr>
+            <a:xfrm>
+              <a:off x="4793667" y="8528005"/>
+              <a:ext cx="2468764" cy="939696"/>
+            </a:xfrm>
+            <a:prstGeom prst="rect">
+              <a:avLst/>
+            </a:prstGeom>
+          </p:spPr>
+        </p:pic>
+      </p:grpSp>
+      <p:grpSp>
+        <p:nvGrpSpPr>
+          <p:cNvPr id="1010" name="그룹 1010"/>
+          <p:cNvGrpSpPr/>
+          <p:nvPr/>
+        </p:nvGrpSpPr>
+        <p:grpSpPr>
+          <a:xfrm>
+            <a:off x="4434188" y="7059503"/>
+            <a:ext cx="1784990" cy="577497"/>
+            <a:chOff x="7883001" y="8549727"/>
+            <a:chExt cx="3173316" cy="1026661"/>
+          </a:xfrm>
+        </p:grpSpPr>
+        <p:grpSp>
+          <p:nvGrpSpPr>
+            <p:cNvPr id="1011" name="그룹 1011"/>
+            <p:cNvGrpSpPr/>
+            <p:nvPr/>
+          </p:nvGrpSpPr>
+          <p:grpSpPr>
+            <a:xfrm>
+              <a:off x="7883001" y="8549727"/>
+              <a:ext cx="3173316" cy="1026661"/>
+              <a:chOff x="7883001" y="8549727"/>
+              <a:chExt cx="3173316" cy="1026661"/>
+            </a:xfrm>
+          </p:grpSpPr>
+          <p:pic>
+            <p:nvPicPr>
+              <p:cNvPr id="31" name="Object 30"/>
+              <p:cNvPicPr>
+                <a:picLocks noChangeAspect="1"/>
+              </p:cNvPicPr>
+              <p:nvPr/>
+            </p:nvPicPr>
+            <p:blipFill>
+              <a:blip r:embed="rId10" cstate="print"/>
+              <a:stretch>
+                <a:fillRect/>
+              </a:stretch>
+            </p:blipFill>
+            <p:spPr>
+              <a:xfrm>
+                <a:off x="7883001" y="8549727"/>
+                <a:ext cx="3173316" cy="1026661"/>
+              </a:xfrm>
+              <a:prstGeom prst="rect">
+                <a:avLst/>
+              </a:prstGeom>
+            </p:spPr>
+          </p:pic>
+        </p:grpSp>
+        <p:pic>
+          <p:nvPicPr>
+            <p:cNvPr id="33" name="Object 32"/>
+            <p:cNvPicPr>
+              <a:picLocks noChangeAspect="1"/>
+            </p:cNvPicPr>
+            <p:nvPr/>
+          </p:nvPicPr>
+          <p:blipFill>
+            <a:blip r:embed="rId11" cstate="print"/>
+            <a:stretch>
+              <a:fillRect/>
+            </a:stretch>
+          </p:blipFill>
+          <p:spPr>
+            <a:xfrm>
+              <a:off x="7899563" y="8522494"/>
+              <a:ext cx="2897849" cy="983510"/>
+            </a:xfrm>
+            <a:prstGeom prst="rect">
+              <a:avLst/>
+            </a:prstGeom>
+          </p:spPr>
+        </p:pic>
+      </p:grpSp>
+      <p:grpSp>
+        <p:nvGrpSpPr>
+          <p:cNvPr id="1012" name="그룹 1012"/>
+          <p:cNvGrpSpPr/>
+          <p:nvPr/>
+        </p:nvGrpSpPr>
+        <p:grpSpPr>
+          <a:xfrm>
+            <a:off x="3156222" y="4301523"/>
+            <a:ext cx="3498703" cy="1985587"/>
+            <a:chOff x="4424977" y="3849593"/>
+            <a:chExt cx="6219916" cy="3529933"/>
+          </a:xfrm>
+        </p:grpSpPr>
+        <p:grpSp>
+          <p:nvGrpSpPr>
+            <p:cNvPr id="1013" name="그룹 1013"/>
+            <p:cNvGrpSpPr/>
+            <p:nvPr/>
+          </p:nvGrpSpPr>
+          <p:grpSpPr>
+            <a:xfrm>
+              <a:off x="5446978" y="4585219"/>
+              <a:ext cx="546951" cy="557639"/>
+              <a:chOff x="5446978" y="4585219"/>
+              <a:chExt cx="546951" cy="557639"/>
+            </a:xfrm>
+          </p:grpSpPr>
+          <p:pic>
+            <p:nvPicPr>
+              <p:cNvPr id="37" name="Object 36"/>
+              <p:cNvPicPr>
+                <a:picLocks noChangeAspect="1"/>
+              </p:cNvPicPr>
+              <p:nvPr/>
+            </p:nvPicPr>
+            <p:blipFill>
+              <a:blip r:embed="rId12" cstate="print"/>
+              <a:stretch>
+                <a:fillRect/>
+              </a:stretch>
+            </p:blipFill>
+            <p:spPr>
+              <a:xfrm>
+                <a:off x="5446978" y="4585219"/>
+                <a:ext cx="546951" cy="557639"/>
+              </a:xfrm>
+              <a:prstGeom prst="rect">
+                <a:avLst/>
+              </a:prstGeom>
+            </p:spPr>
+          </p:pic>
+        </p:grpSp>
+        <p:grpSp>
+          <p:nvGrpSpPr>
+            <p:cNvPr id="1014" name="그룹 1014"/>
+            <p:cNvGrpSpPr/>
+            <p:nvPr/>
+          </p:nvGrpSpPr>
+          <p:grpSpPr>
+            <a:xfrm>
+              <a:off x="4424977" y="5142857"/>
+              <a:ext cx="1022001" cy="1022001"/>
+              <a:chOff x="4424977" y="5142857"/>
+              <a:chExt cx="1022001" cy="1022001"/>
+            </a:xfrm>
+          </p:grpSpPr>
+          <p:pic>
+            <p:nvPicPr>
+              <p:cNvPr id="40" name="Object 39"/>
+              <p:cNvPicPr>
+                <a:picLocks noChangeAspect="1"/>
+              </p:cNvPicPr>
+              <p:nvPr/>
+            </p:nvPicPr>
+            <p:blipFill>
+              <a:blip r:embed="rId13" cstate="print"/>
+              <a:stretch>
+                <a:fillRect/>
+              </a:stretch>
+            </p:blipFill>
+            <p:spPr>
+              <a:xfrm>
+                <a:off x="4424977" y="5142857"/>
+                <a:ext cx="1022001" cy="1022001"/>
+              </a:xfrm>
+              <a:prstGeom prst="rect">
+                <a:avLst/>
+              </a:prstGeom>
+            </p:spPr>
+          </p:pic>
+        </p:grpSp>
+        <p:grpSp>
+          <p:nvGrpSpPr>
+            <p:cNvPr id="1015" name="그룹 1015"/>
+            <p:cNvGrpSpPr/>
+            <p:nvPr/>
+          </p:nvGrpSpPr>
+          <p:grpSpPr>
+            <a:xfrm>
+              <a:off x="4953276" y="6385144"/>
+              <a:ext cx="493702" cy="493702"/>
+              <a:chOff x="4953276" y="6385144"/>
+              <a:chExt cx="493702" cy="493702"/>
+            </a:xfrm>
+          </p:grpSpPr>
+          <p:pic>
+            <p:nvPicPr>
+              <p:cNvPr id="43" name="Object 42"/>
+              <p:cNvPicPr>
+                <a:picLocks noChangeAspect="1"/>
+              </p:cNvPicPr>
+              <p:nvPr/>
+            </p:nvPicPr>
+            <p:blipFill>
+              <a:blip r:embed="rId14" cstate="print"/>
+              <a:stretch>
+                <a:fillRect/>
+              </a:stretch>
+            </p:blipFill>
+            <p:spPr>
+              <a:xfrm>
+                <a:off x="4953276" y="6385144"/>
+                <a:ext cx="493702" cy="493702"/>
+              </a:xfrm>
+              <a:prstGeom prst="rect">
+                <a:avLst/>
+              </a:prstGeom>
+            </p:spPr>
+          </p:pic>
+        </p:grpSp>
+        <p:grpSp>
+          <p:nvGrpSpPr>
+            <p:cNvPr id="1016" name="그룹 1016"/>
+            <p:cNvGrpSpPr/>
+            <p:nvPr/>
+          </p:nvGrpSpPr>
+          <p:grpSpPr>
+            <a:xfrm>
+              <a:off x="6634374" y="3849593"/>
+              <a:ext cx="1783993" cy="1585800"/>
+              <a:chOff x="6634374" y="3849593"/>
+              <a:chExt cx="1783993" cy="1585800"/>
+            </a:xfrm>
+          </p:grpSpPr>
+          <p:pic>
+            <p:nvPicPr>
+              <p:cNvPr id="46" name="Object 45"/>
+              <p:cNvPicPr>
+                <a:picLocks noChangeAspect="1"/>
+              </p:cNvPicPr>
+              <p:nvPr/>
+            </p:nvPicPr>
+            <p:blipFill>
+              <a:blip r:embed="rId15" cstate="print"/>
+              <a:stretch>
+                <a:fillRect/>
+              </a:stretch>
+            </p:blipFill>
+            <p:spPr>
+              <a:xfrm>
+                <a:off x="6634374" y="3849593"/>
+                <a:ext cx="1783993" cy="1585800"/>
+              </a:xfrm>
+              <a:prstGeom prst="rect">
+                <a:avLst/>
+              </a:prstGeom>
+            </p:spPr>
+          </p:pic>
+        </p:grpSp>
+        <p:grpSp>
+          <p:nvGrpSpPr>
+            <p:cNvPr id="1017" name="그룹 1017"/>
+            <p:cNvGrpSpPr/>
+            <p:nvPr/>
+          </p:nvGrpSpPr>
+          <p:grpSpPr>
+            <a:xfrm>
+              <a:off x="5611061" y="5390761"/>
+              <a:ext cx="1305333" cy="1988766"/>
+              <a:chOff x="5611061" y="5390761"/>
+              <a:chExt cx="1305333" cy="1988766"/>
+            </a:xfrm>
+          </p:grpSpPr>
+          <p:pic>
+            <p:nvPicPr>
+              <p:cNvPr id="49" name="Object 48"/>
+              <p:cNvPicPr>
+                <a:picLocks noChangeAspect="1"/>
+              </p:cNvPicPr>
+              <p:nvPr/>
+            </p:nvPicPr>
+            <p:blipFill>
+              <a:blip r:embed="rId16" cstate="print"/>
+              <a:stretch>
+                <a:fillRect/>
+              </a:stretch>
+            </p:blipFill>
+            <p:spPr>
+              <a:xfrm>
+                <a:off x="5611061" y="5390761"/>
+                <a:ext cx="1305333" cy="1988766"/>
+              </a:xfrm>
+              <a:prstGeom prst="rect">
+                <a:avLst/>
+              </a:prstGeom>
+            </p:spPr>
+          </p:pic>
+        </p:grpSp>
+        <p:grpSp>
+          <p:nvGrpSpPr>
+            <p:cNvPr id="1018" name="그룹 1018"/>
+            <p:cNvGrpSpPr/>
+            <p:nvPr/>
+          </p:nvGrpSpPr>
+          <p:grpSpPr>
+            <a:xfrm>
+              <a:off x="7883001" y="5566853"/>
+              <a:ext cx="1841121" cy="1636581"/>
+              <a:chOff x="7883001" y="5566853"/>
+              <a:chExt cx="1841121" cy="1636581"/>
+            </a:xfrm>
+          </p:grpSpPr>
+          <p:pic>
+            <p:nvPicPr>
+              <p:cNvPr id="52" name="Object 51"/>
+              <p:cNvPicPr>
+                <a:picLocks noChangeAspect="1"/>
+              </p:cNvPicPr>
+              <p:nvPr/>
+            </p:nvPicPr>
+            <p:blipFill>
+              <a:blip r:embed="rId17" cstate="print"/>
+              <a:stretch>
+                <a:fillRect/>
+              </a:stretch>
+            </p:blipFill>
+            <p:spPr>
+              <a:xfrm>
+                <a:off x="7883001" y="5566853"/>
+                <a:ext cx="1841121" cy="1636581"/>
+              </a:xfrm>
+              <a:prstGeom prst="rect">
+                <a:avLst/>
+              </a:prstGeom>
+            </p:spPr>
+          </p:pic>
+        </p:grpSp>
+        <p:grpSp>
+          <p:nvGrpSpPr>
+            <p:cNvPr id="1019" name="그룹 1019"/>
+            <p:cNvGrpSpPr/>
+            <p:nvPr/>
+          </p:nvGrpSpPr>
+          <p:grpSpPr>
+            <a:xfrm>
+              <a:off x="9931852" y="6164858"/>
+              <a:ext cx="689055" cy="702520"/>
+              <a:chOff x="9931852" y="6164858"/>
+              <a:chExt cx="689055" cy="702520"/>
+            </a:xfrm>
+          </p:grpSpPr>
+          <p:pic>
+            <p:nvPicPr>
+              <p:cNvPr id="55" name="Object 54"/>
+              <p:cNvPicPr>
+                <a:picLocks noChangeAspect="1"/>
+              </p:cNvPicPr>
+              <p:nvPr/>
+            </p:nvPicPr>
+            <p:blipFill>
+              <a:blip r:embed="rId18" cstate="print"/>
+              <a:stretch>
+                <a:fillRect/>
+              </a:stretch>
+            </p:blipFill>
+            <p:spPr>
+              <a:xfrm>
+                <a:off x="9931852" y="6164858"/>
+                <a:ext cx="689055" cy="702520"/>
+              </a:xfrm>
+              <a:prstGeom prst="rect">
+                <a:avLst/>
+              </a:prstGeom>
+            </p:spPr>
+          </p:pic>
+        </p:grpSp>
+        <p:grpSp>
+          <p:nvGrpSpPr>
+            <p:cNvPr id="1020" name="그룹 1020"/>
+            <p:cNvGrpSpPr/>
+            <p:nvPr/>
+          </p:nvGrpSpPr>
+          <p:grpSpPr>
+            <a:xfrm>
+              <a:off x="10149655" y="5407007"/>
+              <a:ext cx="493702" cy="493702"/>
+              <a:chOff x="10149655" y="5407007"/>
+              <a:chExt cx="493702" cy="493702"/>
+            </a:xfrm>
+          </p:grpSpPr>
+          <p:pic>
+            <p:nvPicPr>
+              <p:cNvPr id="58" name="Object 57"/>
+              <p:cNvPicPr>
+                <a:picLocks noChangeAspect="1"/>
+              </p:cNvPicPr>
+              <p:nvPr/>
+            </p:nvPicPr>
+            <p:blipFill>
+              <a:blip r:embed="rId14" cstate="print"/>
+              <a:stretch>
+                <a:fillRect/>
+              </a:stretch>
+            </p:blipFill>
+            <p:spPr>
+              <a:xfrm>
+                <a:off x="10149655" y="5407007"/>
+                <a:ext cx="493702" cy="493702"/>
+              </a:xfrm>
+              <a:prstGeom prst="rect">
+                <a:avLst/>
+              </a:prstGeom>
+            </p:spPr>
+          </p:pic>
+        </p:grpSp>
+        <p:grpSp>
+          <p:nvGrpSpPr>
+            <p:cNvPr id="1021" name="그룹 1021"/>
+            <p:cNvGrpSpPr/>
+            <p:nvPr/>
+          </p:nvGrpSpPr>
+          <p:grpSpPr>
+            <a:xfrm>
+              <a:off x="9025385" y="4562567"/>
+              <a:ext cx="888549" cy="888549"/>
+              <a:chOff x="9025385" y="4562567"/>
+              <a:chExt cx="888549" cy="888549"/>
+            </a:xfrm>
+          </p:grpSpPr>
+          <p:pic>
+            <p:nvPicPr>
+              <p:cNvPr id="61" name="Object 60"/>
+              <p:cNvPicPr>
+                <a:picLocks noChangeAspect="1"/>
+              </p:cNvPicPr>
+              <p:nvPr/>
+            </p:nvPicPr>
+            <p:blipFill>
+              <a:blip r:embed="rId19" cstate="print"/>
+              <a:stretch>
+                <a:fillRect/>
+              </a:stretch>
+            </p:blipFill>
+            <p:spPr>
+              <a:xfrm>
+                <a:off x="9025385" y="4562567"/>
+                <a:ext cx="888549" cy="888549"/>
+              </a:xfrm>
+              <a:prstGeom prst="rect">
+                <a:avLst/>
+              </a:prstGeom>
+            </p:spPr>
+          </p:pic>
+        </p:grpSp>
+      </p:grpSp>
+    </p:spTree>
+    <p:extLst>
+      <p:ext uri="{BB962C8B-B14F-4D97-AF65-F5344CB8AC3E}">
+        <p14:creationId xmlns:p14="http://schemas.microsoft.com/office/powerpoint/2010/main" val="2231299290"/>
+      </p:ext>
+    </p:extLst>
+  </p:cSld>
+  <p:clrMapOvr>
+    <a:masterClrMapping/>
+  </p:clrMapOvr>
+</p:sld>
+</file>
+
+<file path=ppt/slides/slide16.xml><?xml version="1.0" encoding="utf-8"?>
+<p:sld xmlns:a="http://schemas.openxmlformats.org/drawingml/2006/main" xmlns:r="http://schemas.openxmlformats.org/officeDocument/2006/relationships" xmlns:p="http://schemas.openxmlformats.org/presentationml/2006/main">
+  <p:cSld>
+    <p:spTree>
+      <p:nvGrpSpPr>
+        <p:cNvPr id="1" name=""/>
+        <p:cNvGrpSpPr/>
+        <p:nvPr/>
+      </p:nvGrpSpPr>
+      <p:grpSpPr>
+        <a:xfrm>
+          <a:off x="0" y="0"/>
+          <a:ext cx="0" cy="0"/>
+          <a:chOff x="0" y="0"/>
+          <a:chExt cx="0" cy="0"/>
+        </a:xfrm>
+      </p:grpSpPr>
+      <p:grpSp>
+        <p:nvGrpSpPr>
+          <p:cNvPr id="1001" name="그룹 1001"/>
+          <p:cNvGrpSpPr/>
+          <p:nvPr/>
+        </p:nvGrpSpPr>
+        <p:grpSpPr>
+          <a:xfrm>
+            <a:off x="190476" y="643494"/>
+            <a:ext cx="3085714" cy="2804125"/>
+            <a:chOff x="190476" y="643494"/>
+            <a:chExt cx="3085714" cy="2804125"/>
+          </a:xfrm>
+        </p:grpSpPr>
+        <p:pic>
+          <p:nvPicPr>
+            <p:cNvPr id="3" name="Object 2"/>
+            <p:cNvPicPr>
+              <a:picLocks noChangeAspect="1"/>
+            </p:cNvPicPr>
+            <p:nvPr/>
+          </p:nvPicPr>
+          <p:blipFill>
+            <a:blip r:embed="rId2" cstate="print"/>
+            <a:stretch>
+              <a:fillRect/>
+            </a:stretch>
+          </p:blipFill>
+          <p:spPr>
+            <a:xfrm>
+              <a:off x="190476" y="643494"/>
+              <a:ext cx="3085714" cy="2804125"/>
+            </a:xfrm>
+            <a:prstGeom prst="rect">
+              <a:avLst/>
+            </a:prstGeom>
+          </p:spPr>
+        </p:pic>
+      </p:grpSp>
+      <p:pic>
+        <p:nvPicPr>
+          <p:cNvPr id="5" name="Object 4"/>
+          <p:cNvPicPr>
+            <a:picLocks noChangeAspect="1"/>
+          </p:cNvPicPr>
+          <p:nvPr/>
+        </p:nvPicPr>
+        <p:blipFill>
+          <a:blip r:embed="rId3" cstate="print"/>
+          <a:stretch>
+            <a:fillRect/>
+          </a:stretch>
+        </p:blipFill>
+        <p:spPr>
+          <a:xfrm>
+            <a:off x="4028904" y="643494"/>
+            <a:ext cx="2761239" cy="3037363"/>
+          </a:xfrm>
+          <a:prstGeom prst="rect">
+            <a:avLst/>
+          </a:prstGeom>
+        </p:spPr>
+      </p:pic>
+      <p:grpSp>
+        <p:nvGrpSpPr>
+          <p:cNvPr id="1002" name="그룹 1002"/>
+          <p:cNvGrpSpPr/>
+          <p:nvPr/>
+        </p:nvGrpSpPr>
+        <p:grpSpPr>
+          <a:xfrm>
+            <a:off x="1312435" y="4195681"/>
+            <a:ext cx="3013225" cy="2656258"/>
+            <a:chOff x="1312435" y="4195681"/>
+            <a:chExt cx="3013225" cy="2656258"/>
+          </a:xfrm>
+        </p:grpSpPr>
+        <p:pic>
+          <p:nvPicPr>
+            <p:cNvPr id="7" name="Object 6"/>
+            <p:cNvPicPr>
+              <a:picLocks noChangeAspect="1"/>
+            </p:cNvPicPr>
+            <p:nvPr/>
+          </p:nvPicPr>
+          <p:blipFill>
+            <a:blip r:embed="rId4" cstate="print"/>
+            <a:stretch>
+              <a:fillRect/>
+            </a:stretch>
+          </p:blipFill>
+          <p:spPr>
+            <a:xfrm>
+              <a:off x="1312435" y="4195681"/>
+              <a:ext cx="3013225" cy="2656258"/>
+            </a:xfrm>
+            <a:prstGeom prst="rect">
+              <a:avLst/>
+            </a:prstGeom>
+          </p:spPr>
+        </p:pic>
+      </p:grpSp>
+      <p:grpSp>
+        <p:nvGrpSpPr>
+          <p:cNvPr id="1003" name="그룹 1003"/>
+          <p:cNvGrpSpPr/>
+          <p:nvPr/>
+        </p:nvGrpSpPr>
+        <p:grpSpPr>
+          <a:xfrm>
+            <a:off x="5142857" y="4567430"/>
+            <a:ext cx="3352381" cy="2284508"/>
+            <a:chOff x="5142857" y="4567430"/>
+            <a:chExt cx="3352381" cy="2284508"/>
+          </a:xfrm>
+        </p:grpSpPr>
+        <p:pic>
+          <p:nvPicPr>
+            <p:cNvPr id="10" name="Object 9"/>
+            <p:cNvPicPr>
+              <a:picLocks noChangeAspect="1"/>
+            </p:cNvPicPr>
+            <p:nvPr/>
+          </p:nvPicPr>
+          <p:blipFill>
+            <a:blip r:embed="rId5" cstate="print"/>
+            <a:stretch>
+              <a:fillRect/>
+            </a:stretch>
+          </p:blipFill>
+          <p:spPr>
+            <a:xfrm>
+              <a:off x="5142857" y="4567430"/>
+              <a:ext cx="3352381" cy="2284508"/>
+            </a:xfrm>
+            <a:prstGeom prst="rect">
+              <a:avLst/>
+            </a:prstGeom>
+          </p:spPr>
+        </p:pic>
+      </p:grpSp>
+      <p:grpSp>
+        <p:nvGrpSpPr>
+          <p:cNvPr id="1004" name="그룹 1004"/>
+          <p:cNvGrpSpPr/>
+          <p:nvPr/>
+        </p:nvGrpSpPr>
+        <p:grpSpPr>
+          <a:xfrm>
+            <a:off x="742996" y="7748800"/>
+            <a:ext cx="3285908" cy="3032608"/>
+            <a:chOff x="742996" y="7748800"/>
+            <a:chExt cx="3285908" cy="3032608"/>
+          </a:xfrm>
+        </p:grpSpPr>
+        <p:pic>
+          <p:nvPicPr>
+            <p:cNvPr id="13" name="Object 12"/>
+            <p:cNvPicPr>
+              <a:picLocks noChangeAspect="1"/>
+            </p:cNvPicPr>
+            <p:nvPr/>
+          </p:nvPicPr>
+          <p:blipFill>
+            <a:blip r:embed="rId6" cstate="print"/>
+            <a:stretch>
+              <a:fillRect/>
+            </a:stretch>
+          </p:blipFill>
+          <p:spPr>
+            <a:xfrm>
+              <a:off x="742996" y="7748800"/>
+              <a:ext cx="3285908" cy="3032608"/>
+            </a:xfrm>
+            <a:prstGeom prst="rect">
+              <a:avLst/>
+            </a:prstGeom>
+          </p:spPr>
+        </p:pic>
+      </p:grpSp>
+      <p:grpSp>
+        <p:nvGrpSpPr>
+          <p:cNvPr id="1005" name="그룹 1005"/>
+          <p:cNvGrpSpPr/>
+          <p:nvPr/>
+        </p:nvGrpSpPr>
+        <p:grpSpPr>
+          <a:xfrm>
+            <a:off x="8666667" y="1312285"/>
+            <a:ext cx="1008948" cy="1466543"/>
+            <a:chOff x="8666667" y="1312285"/>
+            <a:chExt cx="1008948" cy="1466543"/>
+          </a:xfrm>
+        </p:grpSpPr>
+        <p:pic>
+          <p:nvPicPr>
+            <p:cNvPr id="16" name="Object 15"/>
+            <p:cNvPicPr>
+              <a:picLocks noChangeAspect="1"/>
+            </p:cNvPicPr>
+            <p:nvPr/>
+          </p:nvPicPr>
+          <p:blipFill>
+            <a:blip r:embed="rId7" cstate="print"/>
+            <a:stretch>
+              <a:fillRect/>
+            </a:stretch>
+          </p:blipFill>
+          <p:spPr>
+            <a:xfrm>
+              <a:off x="8666667" y="1312285"/>
+              <a:ext cx="1008948" cy="1466543"/>
+            </a:xfrm>
+            <a:prstGeom prst="rect">
+              <a:avLst/>
+            </a:prstGeom>
+          </p:spPr>
+        </p:pic>
+      </p:grpSp>
+      <p:grpSp>
+        <p:nvGrpSpPr>
+          <p:cNvPr id="1006" name="그룹 1006"/>
+          <p:cNvGrpSpPr/>
+          <p:nvPr/>
+        </p:nvGrpSpPr>
+        <p:grpSpPr>
+          <a:xfrm>
+            <a:off x="4850429" y="6445639"/>
+            <a:ext cx="1939714" cy="2819465"/>
+            <a:chOff x="4850429" y="6445639"/>
+            <a:chExt cx="1939714" cy="2819465"/>
+          </a:xfrm>
+        </p:grpSpPr>
+        <p:pic>
+          <p:nvPicPr>
+            <p:cNvPr id="19" name="Object 18"/>
+            <p:cNvPicPr>
+              <a:picLocks noChangeAspect="1"/>
+            </p:cNvPicPr>
+            <p:nvPr/>
+          </p:nvPicPr>
+          <p:blipFill>
+            <a:blip r:embed="rId8" cstate="print"/>
+            <a:stretch>
+              <a:fillRect/>
+            </a:stretch>
+          </p:blipFill>
+          <p:spPr>
+            <a:xfrm>
+              <a:off x="4850429" y="6445639"/>
+              <a:ext cx="1939714" cy="2819465"/>
+            </a:xfrm>
+            <a:prstGeom prst="rect">
+              <a:avLst/>
+            </a:prstGeom>
+          </p:spPr>
+        </p:pic>
+      </p:grpSp>
+      <p:grpSp>
+        <p:nvGrpSpPr>
+          <p:cNvPr id="1007" name="그룹 1007"/>
+          <p:cNvGrpSpPr/>
+          <p:nvPr/>
+        </p:nvGrpSpPr>
+        <p:grpSpPr>
+          <a:xfrm>
+            <a:off x="7146088" y="7193672"/>
+            <a:ext cx="3142857" cy="2076190"/>
+            <a:chOff x="7146088" y="7193672"/>
+            <a:chExt cx="3142857" cy="2076190"/>
+          </a:xfrm>
+        </p:grpSpPr>
+        <p:grpSp>
+          <p:nvGrpSpPr>
+            <p:cNvPr id="1008" name="그룹 1008"/>
+            <p:cNvGrpSpPr/>
+            <p:nvPr/>
+          </p:nvGrpSpPr>
+          <p:grpSpPr>
+            <a:xfrm>
+              <a:off x="7146088" y="7193672"/>
+              <a:ext cx="3139627" cy="2071432"/>
+              <a:chOff x="7146088" y="7193672"/>
+              <a:chExt cx="3139627" cy="2071432"/>
+            </a:xfrm>
+          </p:grpSpPr>
+          <p:pic>
+            <p:nvPicPr>
+              <p:cNvPr id="23" name="Object 22"/>
+              <p:cNvPicPr>
+                <a:picLocks noChangeAspect="1"/>
+              </p:cNvPicPr>
+              <p:nvPr/>
+            </p:nvPicPr>
+            <p:blipFill>
+              <a:blip r:embed="rId9" cstate="print"/>
+              <a:stretch>
+                <a:fillRect/>
+              </a:stretch>
+            </p:blipFill>
+            <p:spPr>
+              <a:xfrm>
+                <a:off x="7146088" y="7193672"/>
+                <a:ext cx="3139627" cy="2071432"/>
+              </a:xfrm>
+              <a:prstGeom prst="rect">
+                <a:avLst/>
+              </a:prstGeom>
+            </p:spPr>
+          </p:pic>
+        </p:grpSp>
+        <p:pic>
+          <p:nvPicPr>
+            <p:cNvPr id="25" name="Object 24"/>
+            <p:cNvPicPr>
+              <a:picLocks noChangeAspect="1"/>
+            </p:cNvPicPr>
+            <p:nvPr/>
+          </p:nvPicPr>
+          <p:blipFill>
+            <a:blip r:embed="rId10" cstate="print"/>
+            <a:stretch>
+              <a:fillRect/>
+            </a:stretch>
+          </p:blipFill>
+          <p:spPr>
+            <a:xfrm>
+              <a:off x="7403407" y="7525363"/>
+              <a:ext cx="2397182" cy="919649"/>
+            </a:xfrm>
+            <a:prstGeom prst="rect">
+              <a:avLst/>
+            </a:prstGeom>
+          </p:spPr>
+        </p:pic>
+      </p:grpSp>
+    </p:spTree>
+    <p:extLst>
+      <p:ext uri="{BB962C8B-B14F-4D97-AF65-F5344CB8AC3E}">
+        <p14:creationId xmlns:p14="http://schemas.microsoft.com/office/powerpoint/2010/main" val="896695634"/>
+      </p:ext>
+    </p:extLst>
   </p:cSld>
   <p:clrMapOvr>
     <a:masterClrMapping/>
@@ -4991,6 +7076,114 @@
 
 <file path=ppt/slides/slide3.xml><?xml version="1.0" encoding="utf-8"?>
 <p:sld xmlns:a="http://schemas.openxmlformats.org/drawingml/2006/main" xmlns:r="http://schemas.openxmlformats.org/officeDocument/2006/relationships" xmlns:p="http://schemas.openxmlformats.org/presentationml/2006/main">
+  <p:cSld>
+    <p:spTree>
+      <p:nvGrpSpPr>
+        <p:cNvPr id="1" name=""/>
+        <p:cNvGrpSpPr/>
+        <p:nvPr/>
+      </p:nvGrpSpPr>
+      <p:grpSpPr>
+        <a:xfrm>
+          <a:off x="0" y="0"/>
+          <a:ext cx="0" cy="0"/>
+          <a:chOff x="0" y="0"/>
+          <a:chExt cx="0" cy="0"/>
+        </a:xfrm>
+      </p:grpSpPr>
+      <p:grpSp>
+        <p:nvGrpSpPr>
+          <p:cNvPr id="1001" name="그룹 1001"/>
+          <p:cNvGrpSpPr/>
+          <p:nvPr/>
+        </p:nvGrpSpPr>
+        <p:grpSpPr>
+          <a:xfrm>
+            <a:off x="2057143" y="3242751"/>
+            <a:ext cx="6171429" cy="3800212"/>
+            <a:chOff x="2057143" y="3242751"/>
+            <a:chExt cx="6171429" cy="3800212"/>
+          </a:xfrm>
+        </p:grpSpPr>
+        <p:pic>
+          <p:nvPicPr>
+            <p:cNvPr id="3" name="Object 2"/>
+            <p:cNvPicPr>
+              <a:picLocks noChangeAspect="1"/>
+            </p:cNvPicPr>
+            <p:nvPr/>
+          </p:nvPicPr>
+          <p:blipFill>
+            <a:blip r:embed="rId2" cstate="print"/>
+            <a:stretch>
+              <a:fillRect/>
+            </a:stretch>
+          </p:blipFill>
+          <p:spPr>
+            <a:xfrm>
+              <a:off x="2057143" y="3242751"/>
+              <a:ext cx="6171429" cy="3800212"/>
+            </a:xfrm>
+            <a:prstGeom prst="rect">
+              <a:avLst/>
+            </a:prstGeom>
+          </p:spPr>
+        </p:pic>
+      </p:grpSp>
+      <p:grpSp>
+        <p:nvGrpSpPr>
+          <p:cNvPr id="1002" name="그룹 1002"/>
+          <p:cNvGrpSpPr/>
+          <p:nvPr/>
+        </p:nvGrpSpPr>
+        <p:grpSpPr>
+          <a:xfrm>
+            <a:off x="2990476" y="355151"/>
+            <a:ext cx="6171429" cy="3946629"/>
+            <a:chOff x="2990476" y="355151"/>
+            <a:chExt cx="6171429" cy="3946629"/>
+          </a:xfrm>
+        </p:grpSpPr>
+        <p:pic>
+          <p:nvPicPr>
+            <p:cNvPr id="6" name="Object 5"/>
+            <p:cNvPicPr>
+              <a:picLocks noChangeAspect="1"/>
+            </p:cNvPicPr>
+            <p:nvPr/>
+          </p:nvPicPr>
+          <p:blipFill>
+            <a:blip r:embed="rId3" cstate="print"/>
+            <a:stretch>
+              <a:fillRect/>
+            </a:stretch>
+          </p:blipFill>
+          <p:spPr>
+            <a:xfrm>
+              <a:off x="2990476" y="355151"/>
+              <a:ext cx="6171429" cy="3946629"/>
+            </a:xfrm>
+            <a:prstGeom prst="rect">
+              <a:avLst/>
+            </a:prstGeom>
+          </p:spPr>
+        </p:pic>
+      </p:grpSp>
+    </p:spTree>
+    <p:extLst>
+      <p:ext uri="{BB962C8B-B14F-4D97-AF65-F5344CB8AC3E}">
+        <p14:creationId xmlns:p14="http://schemas.microsoft.com/office/powerpoint/2010/main" val="2199566532"/>
+      </p:ext>
+    </p:extLst>
+  </p:cSld>
+  <p:clrMapOvr>
+    <a:masterClrMapping/>
+  </p:clrMapOvr>
+</p:sld>
+</file>
+
+<file path=ppt/slides/slide4.xml><?xml version="1.0" encoding="utf-8"?>
+<p:sld xmlns:a="http://schemas.openxmlformats.org/drawingml/2006/main" xmlns:r="http://schemas.openxmlformats.org/officeDocument/2006/relationships" xmlns:p="http://schemas.openxmlformats.org/presentationml/2006/main">
   <p:cSld name="Slide 3">
     <p:bg>
       <p:bgPr>
@@ -5529,7 +7722,7 @@
 </p:sld>
 </file>
 
-<file path=ppt/slides/slide4.xml><?xml version="1.0" encoding="utf-8"?>
+<file path=ppt/slides/slide5.xml><?xml version="1.0" encoding="utf-8"?>
 <p:sld xmlns:a="http://schemas.openxmlformats.org/drawingml/2006/main" xmlns:r="http://schemas.openxmlformats.org/officeDocument/2006/relationships" xmlns:p="http://schemas.openxmlformats.org/presentationml/2006/main">
   <p:cSld name="Slide 4">
     <p:bg>
@@ -5952,7 +8145,7 @@
 </p:sld>
 </file>
 
-<file path=ppt/slides/slide5.xml><?xml version="1.0" encoding="utf-8"?>
+<file path=ppt/slides/slide6.xml><?xml version="1.0" encoding="utf-8"?>
 <p:sld xmlns:a="http://schemas.openxmlformats.org/drawingml/2006/main" xmlns:r="http://schemas.openxmlformats.org/officeDocument/2006/relationships" xmlns:p="http://schemas.openxmlformats.org/presentationml/2006/main">
   <p:cSld name="Slide 5">
     <p:bg>
@@ -6570,17 +8763,9 @@
 </p:sld>
 </file>
 
-<file path=ppt/slides/slide6.xml><?xml version="1.0" encoding="utf-8"?>
+<file path=ppt/slides/slide7.xml><?xml version="1.0" encoding="utf-8"?>
 <p:sld xmlns:a="http://schemas.openxmlformats.org/drawingml/2006/main" xmlns:r="http://schemas.openxmlformats.org/officeDocument/2006/relationships" xmlns:p="http://schemas.openxmlformats.org/presentationml/2006/main">
-  <p:cSld name="Slide 6">
-    <p:bg>
-      <p:bgPr>
-        <a:solidFill>
-          <a:srgbClr val="FFFFFF"/>
-        </a:solidFill>
-        <a:effectLst/>
-      </p:bgPr>
-    </p:bg>
+  <p:cSld>
     <p:spTree>
       <p:nvGrpSpPr>
         <p:cNvPr id="1" name=""/>
@@ -6603,10 +8788,10 @@
         </p:nvGrpSpPr>
         <p:grpSpPr>
           <a:xfrm>
-            <a:off x="0" y="221675"/>
-            <a:ext cx="3347291" cy="3347291"/>
-            <a:chOff x="0" y="221675"/>
-            <a:chExt cx="3347291" cy="3347291"/>
+            <a:off x="416749" y="461084"/>
+            <a:ext cx="2731034" cy="2731034"/>
+            <a:chOff x="416749" y="461084"/>
+            <a:chExt cx="2731034" cy="2731034"/>
           </a:xfrm>
         </p:grpSpPr>
         <p:pic>
@@ -6625,8 +8810,8 @@
           </p:blipFill>
           <p:spPr>
             <a:xfrm>
-              <a:off x="0" y="221675"/>
-              <a:ext cx="3347291" cy="3347291"/>
+              <a:off x="416749" y="461084"/>
+              <a:ext cx="2731034" cy="2731034"/>
             </a:xfrm>
             <a:prstGeom prst="rect">
               <a:avLst/>
@@ -6681,8 +8866,8 @@
         </p:nvGrpSpPr>
         <p:grpSpPr>
           <a:xfrm>
-            <a:off x="695858" y="5674877"/>
-            <a:ext cx="4903850" cy="1586540"/>
+            <a:off x="695858" y="5674876"/>
+            <a:ext cx="3990442" cy="1445505"/>
             <a:chOff x="695858" y="5674877"/>
             <a:chExt cx="4903850" cy="1586540"/>
           </a:xfrm>
@@ -6742,8 +8927,8 @@
           </p:blipFill>
           <p:spPr>
             <a:xfrm>
-              <a:off x="1334289" y="5742395"/>
-              <a:ext cx="3553148" cy="1330864"/>
+              <a:off x="1343812" y="5802603"/>
+              <a:ext cx="3414092" cy="1228255"/>
             </a:xfrm>
             <a:prstGeom prst="rect">
               <a:avLst/>
@@ -6820,8 +9005,8 @@
           </p:blipFill>
           <p:spPr>
             <a:xfrm>
-              <a:off x="1317692" y="7806088"/>
-              <a:ext cx="3787342" cy="1337626"/>
+              <a:off x="1335596" y="7902431"/>
+              <a:ext cx="3495262" cy="1142551"/>
             </a:xfrm>
             <a:prstGeom prst="rect">
               <a:avLst/>
@@ -6915,6 +9100,668 @@
         </p:nvGrpSpPr>
         <p:grpSpPr>
           <a:xfrm>
+            <a:off x="4436814" y="2789354"/>
+            <a:ext cx="4375087" cy="1415469"/>
+            <a:chOff x="4436814" y="2789354"/>
+            <a:chExt cx="4375087" cy="1415469"/>
+          </a:xfrm>
+        </p:grpSpPr>
+        <p:grpSp>
+          <p:nvGrpSpPr>
+            <p:cNvPr id="1010" name="그룹 1010"/>
+            <p:cNvGrpSpPr/>
+            <p:nvPr/>
+          </p:nvGrpSpPr>
+          <p:grpSpPr>
+            <a:xfrm>
+              <a:off x="4436814" y="2789354"/>
+              <a:ext cx="4375087" cy="1415469"/>
+              <a:chOff x="4436814" y="2789354"/>
+              <a:chExt cx="4375087" cy="1415469"/>
+            </a:xfrm>
+          </p:grpSpPr>
+          <p:pic>
+            <p:nvPicPr>
+              <p:cNvPr id="28" name="Object 27"/>
+              <p:cNvPicPr>
+                <a:picLocks noChangeAspect="1"/>
+              </p:cNvPicPr>
+              <p:nvPr/>
+            </p:nvPicPr>
+            <p:blipFill>
+              <a:blip r:embed="rId10" cstate="print"/>
+              <a:stretch>
+                <a:fillRect/>
+              </a:stretch>
+            </p:blipFill>
+            <p:spPr>
+              <a:xfrm>
+                <a:off x="4436814" y="2789354"/>
+                <a:ext cx="4375087" cy="1415469"/>
+              </a:xfrm>
+              <a:prstGeom prst="rect">
+                <a:avLst/>
+              </a:prstGeom>
+            </p:spPr>
+          </p:pic>
+        </p:grpSp>
+        <p:pic>
+          <p:nvPicPr>
+            <p:cNvPr id="30" name="Object 29"/>
+            <p:cNvPicPr>
+              <a:picLocks noChangeAspect="1"/>
+            </p:cNvPicPr>
+            <p:nvPr/>
+          </p:nvPicPr>
+          <p:blipFill>
+            <a:blip r:embed="rId11" cstate="print"/>
+            <a:stretch>
+              <a:fillRect/>
+            </a:stretch>
+          </p:blipFill>
+          <p:spPr>
+            <a:xfrm>
+              <a:off x="5302921" y="2739296"/>
+              <a:ext cx="2810767" cy="1377709"/>
+            </a:xfrm>
+            <a:prstGeom prst="rect">
+              <a:avLst/>
+            </a:prstGeom>
+          </p:spPr>
+        </p:pic>
+      </p:grpSp>
+      <p:grpSp>
+        <p:nvGrpSpPr>
+          <p:cNvPr id="1011" name="그룹 1011"/>
+          <p:cNvGrpSpPr/>
+          <p:nvPr/>
+        </p:nvGrpSpPr>
+        <p:grpSpPr>
+          <a:xfrm>
+            <a:off x="5712677" y="7908761"/>
+            <a:ext cx="4288635" cy="1387500"/>
+            <a:chOff x="5712677" y="7908761"/>
+            <a:chExt cx="4288635" cy="1387500"/>
+          </a:xfrm>
+        </p:grpSpPr>
+        <p:grpSp>
+          <p:nvGrpSpPr>
+            <p:cNvPr id="1012" name="그룹 1012"/>
+            <p:cNvGrpSpPr/>
+            <p:nvPr/>
+          </p:nvGrpSpPr>
+          <p:grpSpPr>
+            <a:xfrm>
+              <a:off x="5712677" y="7908761"/>
+              <a:ext cx="4288635" cy="1387500"/>
+              <a:chOff x="5712677" y="7908761"/>
+              <a:chExt cx="4288635" cy="1387500"/>
+            </a:xfrm>
+          </p:grpSpPr>
+          <p:pic>
+            <p:nvPicPr>
+              <p:cNvPr id="34" name="Object 33"/>
+              <p:cNvPicPr>
+                <a:picLocks noChangeAspect="1"/>
+              </p:cNvPicPr>
+              <p:nvPr/>
+            </p:nvPicPr>
+            <p:blipFill>
+              <a:blip r:embed="rId12" cstate="print"/>
+              <a:stretch>
+                <a:fillRect/>
+              </a:stretch>
+            </p:blipFill>
+            <p:spPr>
+              <a:xfrm>
+                <a:off x="5712677" y="7908761"/>
+                <a:ext cx="4288635" cy="1387500"/>
+              </a:xfrm>
+              <a:prstGeom prst="rect">
+                <a:avLst/>
+              </a:prstGeom>
+            </p:spPr>
+          </p:pic>
+        </p:grpSp>
+        <p:pic>
+          <p:nvPicPr>
+            <p:cNvPr id="36" name="Object 35"/>
+            <p:cNvPicPr>
+              <a:picLocks noChangeAspect="1"/>
+            </p:cNvPicPr>
+            <p:nvPr/>
+          </p:nvPicPr>
+          <p:blipFill>
+            <a:blip r:embed="rId13" cstate="print"/>
+            <a:stretch>
+              <a:fillRect/>
+            </a:stretch>
+          </p:blipFill>
+          <p:spPr>
+            <a:xfrm>
+              <a:off x="5735060" y="7871956"/>
+              <a:ext cx="3914229" cy="1339177"/>
+            </a:xfrm>
+            <a:prstGeom prst="rect">
+              <a:avLst/>
+            </a:prstGeom>
+          </p:spPr>
+        </p:pic>
+      </p:grpSp>
+      <p:grpSp>
+        <p:nvGrpSpPr>
+          <p:cNvPr id="1013" name="그룹 1013"/>
+          <p:cNvGrpSpPr/>
+          <p:nvPr/>
+        </p:nvGrpSpPr>
+        <p:grpSpPr>
+          <a:xfrm>
+            <a:off x="6214149" y="4519336"/>
+            <a:ext cx="3854495" cy="1247043"/>
+            <a:chOff x="6214149" y="4519336"/>
+            <a:chExt cx="3854495" cy="1247043"/>
+          </a:xfrm>
+        </p:grpSpPr>
+        <p:grpSp>
+          <p:nvGrpSpPr>
+            <p:cNvPr id="1014" name="그룹 1014"/>
+            <p:cNvGrpSpPr/>
+            <p:nvPr/>
+          </p:nvGrpSpPr>
+          <p:grpSpPr>
+            <a:xfrm>
+              <a:off x="6214149" y="4519336"/>
+              <a:ext cx="3854495" cy="1247043"/>
+              <a:chOff x="6214149" y="4519336"/>
+              <a:chExt cx="3854495" cy="1247043"/>
+            </a:xfrm>
+          </p:grpSpPr>
+          <p:pic>
+            <p:nvPicPr>
+              <p:cNvPr id="40" name="Object 39"/>
+              <p:cNvPicPr>
+                <a:picLocks noChangeAspect="1"/>
+              </p:cNvPicPr>
+              <p:nvPr/>
+            </p:nvPicPr>
+            <p:blipFill>
+              <a:blip r:embed="rId14" cstate="print"/>
+              <a:stretch>
+                <a:fillRect/>
+              </a:stretch>
+            </p:blipFill>
+            <p:spPr>
+              <a:xfrm>
+                <a:off x="6214149" y="4519336"/>
+                <a:ext cx="3854495" cy="1247043"/>
+              </a:xfrm>
+              <a:prstGeom prst="rect">
+                <a:avLst/>
+              </a:prstGeom>
+            </p:spPr>
+          </p:pic>
+        </p:grpSp>
+        <p:pic>
+          <p:nvPicPr>
+            <p:cNvPr id="42" name="Object 41"/>
+            <p:cNvPicPr>
+              <a:picLocks noChangeAspect="1"/>
+            </p:cNvPicPr>
+            <p:nvPr/>
+          </p:nvPicPr>
+          <p:blipFill>
+            <a:blip r:embed="rId15" cstate="print"/>
+            <a:stretch>
+              <a:fillRect/>
+            </a:stretch>
+          </p:blipFill>
+          <p:spPr>
+            <a:xfrm>
+              <a:off x="6458455" y="4489103"/>
+              <a:ext cx="3227840" cy="1223488"/>
+            </a:xfrm>
+            <a:prstGeom prst="rect">
+              <a:avLst/>
+            </a:prstGeom>
+          </p:spPr>
+        </p:pic>
+      </p:grpSp>
+      <p:grpSp>
+        <p:nvGrpSpPr>
+          <p:cNvPr id="1015" name="그룹 1015"/>
+          <p:cNvGrpSpPr/>
+          <p:nvPr/>
+        </p:nvGrpSpPr>
+        <p:grpSpPr>
+          <a:xfrm>
+            <a:off x="638424" y="4204823"/>
+            <a:ext cx="3854495" cy="1247043"/>
+            <a:chOff x="638424" y="4204823"/>
+            <a:chExt cx="3854495" cy="1247043"/>
+          </a:xfrm>
+        </p:grpSpPr>
+        <p:grpSp>
+          <p:nvGrpSpPr>
+            <p:cNvPr id="1016" name="그룹 1016"/>
+            <p:cNvGrpSpPr/>
+            <p:nvPr/>
+          </p:nvGrpSpPr>
+          <p:grpSpPr>
+            <a:xfrm>
+              <a:off x="638424" y="4204823"/>
+              <a:ext cx="3854495" cy="1247043"/>
+              <a:chOff x="638424" y="4204823"/>
+              <a:chExt cx="3854495" cy="1247043"/>
+            </a:xfrm>
+          </p:grpSpPr>
+          <p:pic>
+            <p:nvPicPr>
+              <p:cNvPr id="46" name="Object 45"/>
+              <p:cNvPicPr>
+                <a:picLocks noChangeAspect="1"/>
+              </p:cNvPicPr>
+              <p:nvPr/>
+            </p:nvPicPr>
+            <p:blipFill>
+              <a:blip r:embed="rId16" cstate="print"/>
+              <a:stretch>
+                <a:fillRect/>
+              </a:stretch>
+            </p:blipFill>
+            <p:spPr>
+              <a:xfrm>
+                <a:off x="638424" y="4204823"/>
+                <a:ext cx="3854495" cy="1247043"/>
+              </a:xfrm>
+              <a:prstGeom prst="rect">
+                <a:avLst/>
+              </a:prstGeom>
+            </p:spPr>
+          </p:pic>
+        </p:grpSp>
+        <p:pic>
+          <p:nvPicPr>
+            <p:cNvPr id="48" name="Object 47"/>
+            <p:cNvPicPr>
+              <a:picLocks noChangeAspect="1"/>
+            </p:cNvPicPr>
+            <p:nvPr/>
+          </p:nvPicPr>
+          <p:blipFill>
+            <a:blip r:embed="rId17" cstate="print"/>
+            <a:stretch>
+              <a:fillRect/>
+            </a:stretch>
+          </p:blipFill>
+          <p:spPr>
+            <a:xfrm>
+              <a:off x="1392855" y="4123787"/>
+              <a:ext cx="2474545" cy="1266897"/>
+            </a:xfrm>
+            <a:prstGeom prst="rect">
+              <a:avLst/>
+            </a:prstGeom>
+          </p:spPr>
+        </p:pic>
+      </p:grpSp>
+    </p:spTree>
+    <p:extLst>
+      <p:ext uri="{BB962C8B-B14F-4D97-AF65-F5344CB8AC3E}">
+        <p14:creationId xmlns:p14="http://schemas.microsoft.com/office/powerpoint/2010/main" val="2388848764"/>
+      </p:ext>
+    </p:extLst>
+  </p:cSld>
+  <p:clrMapOvr>
+    <a:masterClrMapping/>
+  </p:clrMapOvr>
+</p:sld>
+</file>
+
+<file path=ppt/slides/slide8.xml><?xml version="1.0" encoding="utf-8"?>
+<p:sld xmlns:a="http://schemas.openxmlformats.org/drawingml/2006/main" xmlns:r="http://schemas.openxmlformats.org/officeDocument/2006/relationships" xmlns:p="http://schemas.openxmlformats.org/presentationml/2006/main">
+  <p:cSld name="Slide 6">
+    <p:bg>
+      <p:bgPr>
+        <a:solidFill>
+          <a:srgbClr val="FFFFFF"/>
+        </a:solidFill>
+        <a:effectLst/>
+      </p:bgPr>
+    </p:bg>
+    <p:spTree>
+      <p:nvGrpSpPr>
+        <p:cNvPr id="1" name=""/>
+        <p:cNvGrpSpPr/>
+        <p:nvPr/>
+      </p:nvGrpSpPr>
+      <p:grpSpPr>
+        <a:xfrm>
+          <a:off x="0" y="0"/>
+          <a:ext cx="0" cy="0"/>
+          <a:chOff x="0" y="0"/>
+          <a:chExt cx="0" cy="0"/>
+        </a:xfrm>
+      </p:grpSpPr>
+      <p:grpSp>
+        <p:nvGrpSpPr>
+          <p:cNvPr id="1001" name="그룹 1001"/>
+          <p:cNvGrpSpPr/>
+          <p:nvPr/>
+        </p:nvGrpSpPr>
+        <p:grpSpPr>
+          <a:xfrm>
+            <a:off x="0" y="221675"/>
+            <a:ext cx="3347291" cy="3347291"/>
+            <a:chOff x="0" y="221675"/>
+            <a:chExt cx="3347291" cy="3347291"/>
+          </a:xfrm>
+        </p:grpSpPr>
+        <p:pic>
+          <p:nvPicPr>
+            <p:cNvPr id="3" name="Object 2"/>
+            <p:cNvPicPr>
+              <a:picLocks noChangeAspect="1"/>
+            </p:cNvPicPr>
+            <p:nvPr/>
+          </p:nvPicPr>
+          <p:blipFill>
+            <a:blip r:embed="rId2" cstate="print"/>
+            <a:stretch>
+              <a:fillRect/>
+            </a:stretch>
+          </p:blipFill>
+          <p:spPr>
+            <a:xfrm>
+              <a:off x="0" y="221675"/>
+              <a:ext cx="3347291" cy="3347291"/>
+            </a:xfrm>
+            <a:prstGeom prst="rect">
+              <a:avLst/>
+            </a:prstGeom>
+          </p:spPr>
+        </p:pic>
+      </p:grpSp>
+      <p:grpSp>
+        <p:nvGrpSpPr>
+          <p:cNvPr id="1002" name="그룹 1002"/>
+          <p:cNvGrpSpPr/>
+          <p:nvPr/>
+        </p:nvGrpSpPr>
+        <p:grpSpPr>
+          <a:xfrm>
+            <a:off x="3347291" y="689310"/>
+            <a:ext cx="2719224" cy="1704779"/>
+            <a:chOff x="3347291" y="689310"/>
+            <a:chExt cx="2719224" cy="1704779"/>
+          </a:xfrm>
+        </p:grpSpPr>
+        <p:pic>
+          <p:nvPicPr>
+            <p:cNvPr id="6" name="Object 5"/>
+            <p:cNvPicPr>
+              <a:picLocks noChangeAspect="1"/>
+            </p:cNvPicPr>
+            <p:nvPr/>
+          </p:nvPicPr>
+          <p:blipFill>
+            <a:blip r:embed="rId3" cstate="print"/>
+            <a:stretch>
+              <a:fillRect/>
+            </a:stretch>
+          </p:blipFill>
+          <p:spPr>
+            <a:xfrm>
+              <a:off x="3347291" y="689310"/>
+              <a:ext cx="2719224" cy="1704779"/>
+            </a:xfrm>
+            <a:prstGeom prst="rect">
+              <a:avLst/>
+            </a:prstGeom>
+          </p:spPr>
+        </p:pic>
+      </p:grpSp>
+      <p:grpSp>
+        <p:nvGrpSpPr>
+          <p:cNvPr id="1003" name="그룹 1003"/>
+          <p:cNvGrpSpPr/>
+          <p:nvPr/>
+        </p:nvGrpSpPr>
+        <p:grpSpPr>
+          <a:xfrm>
+            <a:off x="695858" y="5674877"/>
+            <a:ext cx="4903850" cy="1586540"/>
+            <a:chOff x="695858" y="5674877"/>
+            <a:chExt cx="4903850" cy="1586540"/>
+          </a:xfrm>
+        </p:grpSpPr>
+        <p:grpSp>
+          <p:nvGrpSpPr>
+            <p:cNvPr id="1004" name="그룹 1004"/>
+            <p:cNvGrpSpPr/>
+            <p:nvPr/>
+          </p:nvGrpSpPr>
+          <p:grpSpPr>
+            <a:xfrm>
+              <a:off x="695858" y="5674877"/>
+              <a:ext cx="4903850" cy="1586540"/>
+              <a:chOff x="695858" y="5674877"/>
+              <a:chExt cx="4903850" cy="1586540"/>
+            </a:xfrm>
+          </p:grpSpPr>
+          <p:pic>
+            <p:nvPicPr>
+              <p:cNvPr id="10" name="Object 9"/>
+              <p:cNvPicPr>
+                <a:picLocks noChangeAspect="1"/>
+              </p:cNvPicPr>
+              <p:nvPr/>
+            </p:nvPicPr>
+            <p:blipFill>
+              <a:blip r:embed="rId4" cstate="print"/>
+              <a:stretch>
+                <a:fillRect/>
+              </a:stretch>
+            </p:blipFill>
+            <p:spPr>
+              <a:xfrm>
+                <a:off x="695858" y="5674877"/>
+                <a:ext cx="4903850" cy="1586540"/>
+              </a:xfrm>
+              <a:prstGeom prst="rect">
+                <a:avLst/>
+              </a:prstGeom>
+            </p:spPr>
+          </p:pic>
+        </p:grpSp>
+        <p:pic>
+          <p:nvPicPr>
+            <p:cNvPr id="12" name="Object 11"/>
+            <p:cNvPicPr>
+              <a:picLocks noChangeAspect="1"/>
+            </p:cNvPicPr>
+            <p:nvPr/>
+          </p:nvPicPr>
+          <p:blipFill>
+            <a:blip r:embed="rId5" cstate="print"/>
+            <a:stretch>
+              <a:fillRect/>
+            </a:stretch>
+          </p:blipFill>
+          <p:spPr>
+            <a:xfrm>
+              <a:off x="1334289" y="5742395"/>
+              <a:ext cx="3553148" cy="1330864"/>
+            </a:xfrm>
+            <a:prstGeom prst="rect">
+              <a:avLst/>
+            </a:prstGeom>
+          </p:spPr>
+        </p:pic>
+      </p:grpSp>
+      <p:grpSp>
+        <p:nvGrpSpPr>
+          <p:cNvPr id="1005" name="그룹 1005"/>
+          <p:cNvGrpSpPr/>
+          <p:nvPr/>
+        </p:nvGrpSpPr>
+        <p:grpSpPr>
+          <a:xfrm>
+            <a:off x="674856" y="7720335"/>
+            <a:ext cx="4939560" cy="1598093"/>
+            <a:chOff x="674856" y="7720335"/>
+            <a:chExt cx="4939560" cy="1598093"/>
+          </a:xfrm>
+        </p:grpSpPr>
+        <p:grpSp>
+          <p:nvGrpSpPr>
+            <p:cNvPr id="1006" name="그룹 1006"/>
+            <p:cNvGrpSpPr/>
+            <p:nvPr/>
+          </p:nvGrpSpPr>
+          <p:grpSpPr>
+            <a:xfrm>
+              <a:off x="674856" y="7720335"/>
+              <a:ext cx="4939560" cy="1598093"/>
+              <a:chOff x="674856" y="7720335"/>
+              <a:chExt cx="4939560" cy="1598093"/>
+            </a:xfrm>
+          </p:grpSpPr>
+          <p:pic>
+            <p:nvPicPr>
+              <p:cNvPr id="16" name="Object 15"/>
+              <p:cNvPicPr>
+                <a:picLocks noChangeAspect="1"/>
+              </p:cNvPicPr>
+              <p:nvPr/>
+            </p:nvPicPr>
+            <p:blipFill>
+              <a:blip r:embed="rId6" cstate="print"/>
+              <a:stretch>
+                <a:fillRect/>
+              </a:stretch>
+            </p:blipFill>
+            <p:spPr>
+              <a:xfrm>
+                <a:off x="674856" y="7720335"/>
+                <a:ext cx="4939560" cy="1598093"/>
+              </a:xfrm>
+              <a:prstGeom prst="rect">
+                <a:avLst/>
+              </a:prstGeom>
+            </p:spPr>
+          </p:pic>
+        </p:grpSp>
+        <p:pic>
+          <p:nvPicPr>
+            <p:cNvPr id="18" name="Object 17"/>
+            <p:cNvPicPr>
+              <a:picLocks noChangeAspect="1"/>
+            </p:cNvPicPr>
+            <p:nvPr/>
+          </p:nvPicPr>
+          <p:blipFill>
+            <a:blip r:embed="rId7" cstate="print"/>
+            <a:stretch>
+              <a:fillRect/>
+            </a:stretch>
+          </p:blipFill>
+          <p:spPr>
+            <a:xfrm>
+              <a:off x="1317692" y="7806088"/>
+              <a:ext cx="3787342" cy="1337626"/>
+            </a:xfrm>
+            <a:prstGeom prst="rect">
+              <a:avLst/>
+            </a:prstGeom>
+          </p:spPr>
+        </p:pic>
+      </p:grpSp>
+      <p:grpSp>
+        <p:nvGrpSpPr>
+          <p:cNvPr id="1007" name="그룹 1007"/>
+          <p:cNvGrpSpPr/>
+          <p:nvPr/>
+        </p:nvGrpSpPr>
+        <p:grpSpPr>
+          <a:xfrm>
+            <a:off x="5909869" y="6127808"/>
+            <a:ext cx="3894251" cy="1177943"/>
+            <a:chOff x="5909869" y="6127808"/>
+            <a:chExt cx="3894251" cy="1177943"/>
+          </a:xfrm>
+        </p:grpSpPr>
+        <p:grpSp>
+          <p:nvGrpSpPr>
+            <p:cNvPr id="1008" name="그룹 1008"/>
+            <p:cNvGrpSpPr/>
+            <p:nvPr/>
+          </p:nvGrpSpPr>
+          <p:grpSpPr>
+            <a:xfrm>
+              <a:off x="6051397" y="6137424"/>
+              <a:ext cx="3611196" cy="1168328"/>
+              <a:chOff x="6051397" y="6137424"/>
+              <a:chExt cx="3611196" cy="1168328"/>
+            </a:xfrm>
+          </p:grpSpPr>
+          <p:pic>
+            <p:nvPicPr>
+              <p:cNvPr id="22" name="Object 21"/>
+              <p:cNvPicPr>
+                <a:picLocks noChangeAspect="1"/>
+              </p:cNvPicPr>
+              <p:nvPr/>
+            </p:nvPicPr>
+            <p:blipFill>
+              <a:blip r:embed="rId8" cstate="print"/>
+              <a:stretch>
+                <a:fillRect/>
+              </a:stretch>
+            </p:blipFill>
+            <p:spPr>
+              <a:xfrm>
+                <a:off x="6051397" y="6137424"/>
+                <a:ext cx="3611196" cy="1168328"/>
+              </a:xfrm>
+              <a:prstGeom prst="rect">
+                <a:avLst/>
+              </a:prstGeom>
+            </p:spPr>
+          </p:pic>
+        </p:grpSp>
+        <p:pic>
+          <p:nvPicPr>
+            <p:cNvPr id="24" name="Object 23"/>
+            <p:cNvPicPr>
+              <a:picLocks noChangeAspect="1"/>
+            </p:cNvPicPr>
+            <p:nvPr/>
+          </p:nvPicPr>
+          <p:blipFill>
+            <a:blip r:embed="rId9" cstate="print"/>
+            <a:stretch>
+              <a:fillRect/>
+            </a:stretch>
+          </p:blipFill>
+          <p:spPr>
+            <a:xfrm>
+              <a:off x="5787971" y="6005910"/>
+              <a:ext cx="3372211" cy="1278441"/>
+            </a:xfrm>
+            <a:prstGeom prst="rect">
+              <a:avLst/>
+            </a:prstGeom>
+          </p:spPr>
+        </p:pic>
+      </p:grpSp>
+      <p:grpSp>
+        <p:nvGrpSpPr>
+          <p:cNvPr id="1009" name="그룹 1009"/>
+          <p:cNvGrpSpPr/>
+          <p:nvPr/>
+        </p:nvGrpSpPr>
+        <p:grpSpPr>
+          <a:xfrm>
             <a:off x="5712677" y="7908761"/>
             <a:ext cx="4288635" cy="1387500"/>
             <a:chOff x="5712677" y="7908761"/>
@@ -7149,7 +9996,7 @@
 </p:sld>
 </file>
 
-<file path=ppt/slides/slide7.xml><?xml version="1.0" encoding="utf-8"?>
+<file path=ppt/slides/slide9.xml><?xml version="1.0" encoding="utf-8"?>
 <p:sld xmlns:a="http://schemas.openxmlformats.org/drawingml/2006/main" xmlns:r="http://schemas.openxmlformats.org/officeDocument/2006/relationships" xmlns:p="http://schemas.openxmlformats.org/presentationml/2006/main">
   <p:cSld name="Slide 7">
     <p:bg>
@@ -7839,885 +10686,6 @@
             <a:xfrm>
               <a:off x="7422693" y="1271394"/>
               <a:ext cx="1094680" cy="435122"/>
-            </a:xfrm>
-            <a:prstGeom prst="rect">
-              <a:avLst/>
-            </a:prstGeom>
-          </p:spPr>
-        </p:pic>
-      </p:grpSp>
-    </p:spTree>
-  </p:cSld>
-  <p:clrMapOvr>
-    <a:masterClrMapping/>
-  </p:clrMapOvr>
-</p:sld>
-</file>
-
-<file path=ppt/slides/slide8.xml><?xml version="1.0" encoding="utf-8"?>
-<p:sld xmlns:a="http://schemas.openxmlformats.org/drawingml/2006/main" xmlns:r="http://schemas.openxmlformats.org/officeDocument/2006/relationships" xmlns:p="http://schemas.openxmlformats.org/presentationml/2006/main">
-  <p:cSld name="Slide 8">
-    <p:bg>
-      <p:bgPr>
-        <a:solidFill>
-          <a:srgbClr val="FFFFFF"/>
-        </a:solidFill>
-        <a:effectLst/>
-      </p:bgPr>
-    </p:bg>
-    <p:spTree>
-      <p:nvGrpSpPr>
-        <p:cNvPr id="1" name=""/>
-        <p:cNvGrpSpPr/>
-        <p:nvPr/>
-      </p:nvGrpSpPr>
-      <p:grpSpPr>
-        <a:xfrm>
-          <a:off x="0" y="0"/>
-          <a:ext cx="0" cy="0"/>
-          <a:chOff x="0" y="0"/>
-          <a:chExt cx="0" cy="0"/>
-        </a:xfrm>
-      </p:grpSpPr>
-      <p:grpSp>
-        <p:nvGrpSpPr>
-          <p:cNvPr id="1001" name="그룹 1001"/>
-          <p:cNvGrpSpPr/>
-          <p:nvPr/>
-        </p:nvGrpSpPr>
-        <p:grpSpPr>
-          <a:xfrm>
-            <a:off x="1625264" y="1796521"/>
-            <a:ext cx="5544319" cy="1793750"/>
-            <a:chOff x="1625264" y="1796521"/>
-            <a:chExt cx="5544319" cy="1793750"/>
-          </a:xfrm>
-        </p:grpSpPr>
-        <p:pic>
-          <p:nvPicPr>
-            <p:cNvPr id="3" name="Object 2"/>
-            <p:cNvPicPr>
-              <a:picLocks noChangeAspect="1"/>
-            </p:cNvPicPr>
-            <p:nvPr/>
-          </p:nvPicPr>
-          <p:blipFill>
-            <a:blip r:embed="rId2" cstate="print"/>
-            <a:stretch>
-              <a:fillRect/>
-            </a:stretch>
-          </p:blipFill>
-          <p:spPr>
-            <a:xfrm>
-              <a:off x="1625264" y="1796521"/>
-              <a:ext cx="5544319" cy="1793750"/>
-            </a:xfrm>
-            <a:prstGeom prst="rect">
-              <a:avLst/>
-            </a:prstGeom>
-          </p:spPr>
-        </p:pic>
-      </p:grpSp>
-      <p:pic>
-        <p:nvPicPr>
-          <p:cNvPr id="5" name="Object 4"/>
-          <p:cNvPicPr>
-            <a:picLocks noChangeAspect="1"/>
-          </p:cNvPicPr>
-          <p:nvPr/>
-        </p:nvPicPr>
-        <p:blipFill>
-          <a:blip r:embed="rId3" cstate="print"/>
-          <a:stretch>
-            <a:fillRect/>
-          </a:stretch>
-        </p:blipFill>
-        <p:spPr>
-          <a:xfrm>
-            <a:off x="1250671" y="2032011"/>
-            <a:ext cx="5577576" cy="1303874"/>
-          </a:xfrm>
-          <a:prstGeom prst="rect">
-            <a:avLst/>
-          </a:prstGeom>
-        </p:spPr>
-      </p:pic>
-      <p:grpSp>
-        <p:nvGrpSpPr>
-          <p:cNvPr id="1002" name="그룹 1002"/>
-          <p:cNvGrpSpPr/>
-          <p:nvPr/>
-        </p:nvGrpSpPr>
-        <p:grpSpPr>
-          <a:xfrm>
-            <a:off x="1625264" y="4013122"/>
-            <a:ext cx="5544319" cy="1793750"/>
-            <a:chOff x="1625264" y="4013122"/>
-            <a:chExt cx="5544319" cy="1793750"/>
-          </a:xfrm>
-        </p:grpSpPr>
-        <p:pic>
-          <p:nvPicPr>
-            <p:cNvPr id="7" name="Object 6"/>
-            <p:cNvPicPr>
-              <a:picLocks noChangeAspect="1"/>
-            </p:cNvPicPr>
-            <p:nvPr/>
-          </p:nvPicPr>
-          <p:blipFill>
-            <a:blip r:embed="rId4" cstate="print"/>
-            <a:stretch>
-              <a:fillRect/>
-            </a:stretch>
-          </p:blipFill>
-          <p:spPr>
-            <a:xfrm>
-              <a:off x="1625264" y="4013122"/>
-              <a:ext cx="5544319" cy="1793750"/>
-            </a:xfrm>
-            <a:prstGeom prst="rect">
-              <a:avLst/>
-            </a:prstGeom>
-          </p:spPr>
-        </p:pic>
-      </p:grpSp>
-      <p:pic>
-        <p:nvPicPr>
-          <p:cNvPr id="9" name="Object 8"/>
-          <p:cNvPicPr>
-            <a:picLocks noChangeAspect="1"/>
-          </p:cNvPicPr>
-          <p:nvPr/>
-        </p:nvPicPr>
-        <p:blipFill>
-          <a:blip r:embed="rId5" cstate="print"/>
-          <a:stretch>
-            <a:fillRect/>
-          </a:stretch>
-        </p:blipFill>
-        <p:spPr>
-          <a:xfrm>
-            <a:off x="1267814" y="4343685"/>
-            <a:ext cx="5664273" cy="992504"/>
-          </a:xfrm>
-          <a:prstGeom prst="rect">
-            <a:avLst/>
-          </a:prstGeom>
-        </p:spPr>
-      </p:pic>
-      <p:grpSp>
-        <p:nvGrpSpPr>
-          <p:cNvPr id="1003" name="그룹 1003"/>
-          <p:cNvGrpSpPr/>
-          <p:nvPr/>
-        </p:nvGrpSpPr>
-        <p:grpSpPr>
-          <a:xfrm>
-            <a:off x="623618" y="7622241"/>
-            <a:ext cx="2552510" cy="825812"/>
-            <a:chOff x="623618" y="7622241"/>
-            <a:chExt cx="2552510" cy="825812"/>
-          </a:xfrm>
-        </p:grpSpPr>
-        <p:grpSp>
-          <p:nvGrpSpPr>
-            <p:cNvPr id="1004" name="그룹 1004"/>
-            <p:cNvGrpSpPr/>
-            <p:nvPr/>
-          </p:nvGrpSpPr>
-          <p:grpSpPr>
-            <a:xfrm>
-              <a:off x="623618" y="7622241"/>
-              <a:ext cx="2552510" cy="825812"/>
-              <a:chOff x="623618" y="7622241"/>
-              <a:chExt cx="2552510" cy="825812"/>
-            </a:xfrm>
-          </p:grpSpPr>
-          <p:pic>
-            <p:nvPicPr>
-              <p:cNvPr id="12" name="Object 11"/>
-              <p:cNvPicPr>
-                <a:picLocks noChangeAspect="1"/>
-              </p:cNvPicPr>
-              <p:nvPr/>
-            </p:nvPicPr>
-            <p:blipFill>
-              <a:blip r:embed="rId6" cstate="print"/>
-              <a:stretch>
-                <a:fillRect/>
-              </a:stretch>
-            </p:blipFill>
-            <p:spPr>
-              <a:xfrm>
-                <a:off x="623618" y="7622241"/>
-                <a:ext cx="2552510" cy="825812"/>
-              </a:xfrm>
-              <a:prstGeom prst="rect">
-                <a:avLst/>
-              </a:prstGeom>
-            </p:spPr>
-          </p:pic>
-        </p:grpSp>
-        <p:pic>
-          <p:nvPicPr>
-            <p:cNvPr id="14" name="Object 13"/>
-            <p:cNvPicPr>
-              <a:picLocks noChangeAspect="1"/>
-            </p:cNvPicPr>
-            <p:nvPr/>
-          </p:nvPicPr>
-          <p:blipFill>
-            <a:blip r:embed="rId7" cstate="print"/>
-            <a:stretch>
-              <a:fillRect/>
-            </a:stretch>
-          </p:blipFill>
-          <p:spPr>
-            <a:xfrm>
-              <a:off x="785403" y="7592562"/>
-              <a:ext cx="1991267" cy="759714"/>
-            </a:xfrm>
-            <a:prstGeom prst="rect">
-              <a:avLst/>
-            </a:prstGeom>
-          </p:spPr>
-        </p:pic>
-      </p:grpSp>
-      <p:grpSp>
-        <p:nvGrpSpPr>
-          <p:cNvPr id="1005" name="그룹 1005"/>
-          <p:cNvGrpSpPr/>
-          <p:nvPr/>
-        </p:nvGrpSpPr>
-        <p:grpSpPr>
-          <a:xfrm>
-            <a:off x="520761" y="8706083"/>
-            <a:ext cx="2725441" cy="881760"/>
-            <a:chOff x="520761" y="8706083"/>
-            <a:chExt cx="2725441" cy="881760"/>
-          </a:xfrm>
-        </p:grpSpPr>
-        <p:grpSp>
-          <p:nvGrpSpPr>
-            <p:cNvPr id="1006" name="그룹 1006"/>
-            <p:cNvGrpSpPr/>
-            <p:nvPr/>
-          </p:nvGrpSpPr>
-          <p:grpSpPr>
-            <a:xfrm>
-              <a:off x="520761" y="8706083"/>
-              <a:ext cx="2725441" cy="881760"/>
-              <a:chOff x="520761" y="8706083"/>
-              <a:chExt cx="2725441" cy="881760"/>
-            </a:xfrm>
-          </p:grpSpPr>
-          <p:pic>
-            <p:nvPicPr>
-              <p:cNvPr id="18" name="Object 17"/>
-              <p:cNvPicPr>
-                <a:picLocks noChangeAspect="1"/>
-              </p:cNvPicPr>
-              <p:nvPr/>
-            </p:nvPicPr>
-            <p:blipFill>
-              <a:blip r:embed="rId8" cstate="print"/>
-              <a:stretch>
-                <a:fillRect/>
-              </a:stretch>
-            </p:blipFill>
-            <p:spPr>
-              <a:xfrm>
-                <a:off x="520761" y="8706083"/>
-                <a:ext cx="2725441" cy="881760"/>
-              </a:xfrm>
-              <a:prstGeom prst="rect">
-                <a:avLst/>
-              </a:prstGeom>
-            </p:spPr>
-          </p:pic>
-        </p:grpSp>
-        <p:pic>
-          <p:nvPicPr>
-            <p:cNvPr id="20" name="Object 19"/>
-            <p:cNvPicPr>
-              <a:picLocks noChangeAspect="1"/>
-            </p:cNvPicPr>
-            <p:nvPr/>
-          </p:nvPicPr>
-          <p:blipFill>
-            <a:blip r:embed="rId9" cstate="print"/>
-            <a:stretch>
-              <a:fillRect/>
-            </a:stretch>
-          </p:blipFill>
-          <p:spPr>
-            <a:xfrm>
-              <a:off x="683487" y="8623301"/>
-              <a:ext cx="2111481" cy="999229"/>
-            </a:xfrm>
-            <a:prstGeom prst="rect">
-              <a:avLst/>
-            </a:prstGeom>
-          </p:spPr>
-        </p:pic>
-      </p:grpSp>
-      <p:grpSp>
-        <p:nvGrpSpPr>
-          <p:cNvPr id="1007" name="그룹 1007"/>
-          <p:cNvGrpSpPr/>
-          <p:nvPr/>
-        </p:nvGrpSpPr>
-        <p:grpSpPr>
-          <a:xfrm>
-            <a:off x="4075246" y="7519384"/>
-            <a:ext cx="1422291" cy="1422291"/>
-            <a:chOff x="4075246" y="7519384"/>
-            <a:chExt cx="1422291" cy="1422291"/>
-          </a:xfrm>
-        </p:grpSpPr>
-        <p:pic>
-          <p:nvPicPr>
-            <p:cNvPr id="23" name="Object 22"/>
-            <p:cNvPicPr>
-              <a:picLocks noChangeAspect="1"/>
-            </p:cNvPicPr>
-            <p:nvPr/>
-          </p:nvPicPr>
-          <p:blipFill>
-            <a:blip r:embed="rId10" cstate="print"/>
-            <a:stretch>
-              <a:fillRect/>
-            </a:stretch>
-          </p:blipFill>
-          <p:spPr>
-            <a:xfrm>
-              <a:off x="4075246" y="7519384"/>
-              <a:ext cx="1422291" cy="1422291"/>
-            </a:xfrm>
-            <a:prstGeom prst="rect">
-              <a:avLst/>
-            </a:prstGeom>
-          </p:spPr>
-        </p:pic>
-      </p:grpSp>
-      <p:grpSp>
-        <p:nvGrpSpPr>
-          <p:cNvPr id="1008" name="그룹 1008"/>
-          <p:cNvGrpSpPr/>
-          <p:nvPr/>
-        </p:nvGrpSpPr>
-        <p:grpSpPr>
-          <a:xfrm>
-            <a:off x="532556" y="6655444"/>
-            <a:ext cx="2552510" cy="825812"/>
-            <a:chOff x="532556" y="6655444"/>
-            <a:chExt cx="2552510" cy="825812"/>
-          </a:xfrm>
-        </p:grpSpPr>
-        <p:grpSp>
-          <p:nvGrpSpPr>
-            <p:cNvPr id="1009" name="그룹 1009"/>
-            <p:cNvGrpSpPr/>
-            <p:nvPr/>
-          </p:nvGrpSpPr>
-          <p:grpSpPr>
-            <a:xfrm>
-              <a:off x="532556" y="6655444"/>
-              <a:ext cx="2552510" cy="825812"/>
-              <a:chOff x="532556" y="6655444"/>
-              <a:chExt cx="2552510" cy="825812"/>
-            </a:xfrm>
-          </p:grpSpPr>
-          <p:pic>
-            <p:nvPicPr>
-              <p:cNvPr id="27" name="Object 26"/>
-              <p:cNvPicPr>
-                <a:picLocks noChangeAspect="1"/>
-              </p:cNvPicPr>
-              <p:nvPr/>
-            </p:nvPicPr>
-            <p:blipFill>
-              <a:blip r:embed="rId11" cstate="print"/>
-              <a:stretch>
-                <a:fillRect/>
-              </a:stretch>
-            </p:blipFill>
-            <p:spPr>
-              <a:xfrm>
-                <a:off x="532556" y="6655444"/>
-                <a:ext cx="2552510" cy="825812"/>
-              </a:xfrm>
-              <a:prstGeom prst="rect">
-                <a:avLst/>
-              </a:prstGeom>
-            </p:spPr>
-          </p:pic>
-        </p:grpSp>
-        <p:pic>
-          <p:nvPicPr>
-            <p:cNvPr id="29" name="Object 28"/>
-            <p:cNvPicPr>
-              <a:picLocks noChangeAspect="1"/>
-            </p:cNvPicPr>
-            <p:nvPr/>
-          </p:nvPicPr>
-          <p:blipFill>
-            <a:blip r:embed="rId12" cstate="print"/>
-            <a:stretch>
-              <a:fillRect/>
-            </a:stretch>
-          </p:blipFill>
-          <p:spPr>
-            <a:xfrm>
-              <a:off x="694341" y="6636848"/>
-              <a:ext cx="1978334" cy="795914"/>
-            </a:xfrm>
-            <a:prstGeom prst="rect">
-              <a:avLst/>
-            </a:prstGeom>
-          </p:spPr>
-        </p:pic>
-      </p:grpSp>
-    </p:spTree>
-  </p:cSld>
-  <p:clrMapOvr>
-    <a:masterClrMapping/>
-  </p:clrMapOvr>
-</p:sld>
-</file>
-
-<file path=ppt/slides/slide9.xml><?xml version="1.0" encoding="utf-8"?>
-<p:sld xmlns:a="http://schemas.openxmlformats.org/drawingml/2006/main" xmlns:r="http://schemas.openxmlformats.org/officeDocument/2006/relationships" xmlns:p="http://schemas.openxmlformats.org/presentationml/2006/main">
-  <p:cSld name="Slide 9">
-    <p:bg>
-      <p:bgPr>
-        <a:solidFill>
-          <a:srgbClr val="64D6ED"/>
-        </a:solidFill>
-        <a:effectLst/>
-      </p:bgPr>
-    </p:bg>
-    <p:spTree>
-      <p:nvGrpSpPr>
-        <p:cNvPr id="1" name=""/>
-        <p:cNvGrpSpPr/>
-        <p:nvPr/>
-      </p:nvGrpSpPr>
-      <p:grpSpPr>
-        <a:xfrm>
-          <a:off x="0" y="0"/>
-          <a:ext cx="0" cy="0"/>
-          <a:chOff x="0" y="0"/>
-          <a:chExt cx="0" cy="0"/>
-        </a:xfrm>
-      </p:grpSpPr>
-      <p:grpSp>
-        <p:nvGrpSpPr>
-          <p:cNvPr id="1001" name="그룹 1001"/>
-          <p:cNvGrpSpPr/>
-          <p:nvPr/>
-        </p:nvGrpSpPr>
-        <p:grpSpPr>
-          <a:xfrm>
-            <a:off x="1574480" y="1175250"/>
-            <a:ext cx="875039" cy="972250"/>
-            <a:chOff x="1574480" y="1175250"/>
-            <a:chExt cx="875039" cy="972250"/>
-          </a:xfrm>
-        </p:grpSpPr>
-        <p:pic>
-          <p:nvPicPr>
-            <p:cNvPr id="3" name="Object 2"/>
-            <p:cNvPicPr>
-              <a:picLocks noChangeAspect="1"/>
-            </p:cNvPicPr>
-            <p:nvPr/>
-          </p:nvPicPr>
-          <p:blipFill>
-            <a:blip r:embed="rId2" cstate="print"/>
-            <a:stretch>
-              <a:fillRect/>
-            </a:stretch>
-          </p:blipFill>
-          <p:spPr>
-            <a:xfrm>
-              <a:off x="1574480" y="1175250"/>
-              <a:ext cx="875039" cy="972250"/>
-            </a:xfrm>
-            <a:prstGeom prst="rect">
-              <a:avLst/>
-            </a:prstGeom>
-          </p:spPr>
-        </p:pic>
-      </p:grpSp>
-      <p:pic>
-        <p:nvPicPr>
-          <p:cNvPr id="5" name="Object 4"/>
-          <p:cNvPicPr>
-            <a:picLocks noChangeAspect="1"/>
-          </p:cNvPicPr>
-          <p:nvPr/>
-        </p:nvPicPr>
-        <p:blipFill>
-          <a:blip r:embed="rId3" cstate="print"/>
-          <a:stretch>
-            <a:fillRect/>
-          </a:stretch>
-        </p:blipFill>
-        <p:spPr>
-          <a:xfrm>
-            <a:off x="1948909" y="1067824"/>
-            <a:ext cx="2308199" cy="1199608"/>
-          </a:xfrm>
-          <a:prstGeom prst="rect">
-            <a:avLst/>
-          </a:prstGeom>
-        </p:spPr>
-      </p:pic>
-      <p:grpSp>
-        <p:nvGrpSpPr>
-          <p:cNvPr id="1002" name="그룹 1002"/>
-          <p:cNvGrpSpPr/>
-          <p:nvPr/>
-        </p:nvGrpSpPr>
-        <p:grpSpPr>
-          <a:xfrm>
-            <a:off x="0" y="7959273"/>
-            <a:ext cx="10841507" cy="3571509"/>
-            <a:chOff x="0" y="7959273"/>
-            <a:chExt cx="10841507" cy="3571509"/>
-          </a:xfrm>
-        </p:grpSpPr>
-        <p:grpSp>
-          <p:nvGrpSpPr>
-            <p:cNvPr id="1003" name="그룹 1003"/>
-            <p:cNvGrpSpPr/>
-            <p:nvPr/>
-          </p:nvGrpSpPr>
-          <p:grpSpPr>
-            <a:xfrm>
-              <a:off x="0" y="8316170"/>
-              <a:ext cx="10841507" cy="3214612"/>
-              <a:chOff x="0" y="8316170"/>
-              <a:chExt cx="10841507" cy="3214612"/>
-            </a:xfrm>
-          </p:grpSpPr>
-          <p:pic>
-            <p:nvPicPr>
-              <p:cNvPr id="8" name="Object 7"/>
-              <p:cNvPicPr>
-                <a:picLocks noChangeAspect="1"/>
-              </p:cNvPicPr>
-              <p:nvPr/>
-            </p:nvPicPr>
-            <p:blipFill>
-              <a:blip r:embed="rId4" cstate="print"/>
-              <a:stretch>
-                <a:fillRect/>
-              </a:stretch>
-            </p:blipFill>
-            <p:spPr>
-              <a:xfrm>
-                <a:off x="0" y="8316170"/>
-                <a:ext cx="10841507" cy="3214612"/>
-              </a:xfrm>
-              <a:prstGeom prst="rect">
-                <a:avLst/>
-              </a:prstGeom>
-            </p:spPr>
-          </p:pic>
-        </p:grpSp>
-        <p:grpSp>
-          <p:nvGrpSpPr>
-            <p:cNvPr id="1004" name="그룹 1004"/>
-            <p:cNvGrpSpPr/>
-            <p:nvPr/>
-          </p:nvGrpSpPr>
-          <p:grpSpPr>
-            <a:xfrm>
-              <a:off x="0" y="7959273"/>
-              <a:ext cx="10841507" cy="647622"/>
-              <a:chOff x="0" y="7959273"/>
-              <a:chExt cx="10841507" cy="647622"/>
-            </a:xfrm>
-          </p:grpSpPr>
-          <p:pic>
-            <p:nvPicPr>
-              <p:cNvPr id="11" name="Object 10"/>
-              <p:cNvPicPr>
-                <a:picLocks noChangeAspect="1"/>
-              </p:cNvPicPr>
-              <p:nvPr/>
-            </p:nvPicPr>
-            <p:blipFill>
-              <a:blip r:embed="rId5" cstate="print"/>
-              <a:stretch>
-                <a:fillRect/>
-              </a:stretch>
-            </p:blipFill>
-            <p:spPr>
-              <a:xfrm>
-                <a:off x="0" y="7959273"/>
-                <a:ext cx="10841507" cy="647622"/>
-              </a:xfrm>
-              <a:prstGeom prst="rect">
-                <a:avLst/>
-              </a:prstGeom>
-            </p:spPr>
-          </p:pic>
-        </p:grpSp>
-      </p:grpSp>
-      <p:grpSp>
-        <p:nvGrpSpPr>
-          <p:cNvPr id="1005" name="그룹 1005"/>
-          <p:cNvGrpSpPr/>
-          <p:nvPr/>
-        </p:nvGrpSpPr>
-        <p:grpSpPr>
-          <a:xfrm>
-            <a:off x="888939" y="2329966"/>
-            <a:ext cx="2374773" cy="1158455"/>
-            <a:chOff x="888939" y="2329966"/>
-            <a:chExt cx="2374773" cy="1158455"/>
-          </a:xfrm>
-        </p:grpSpPr>
-        <p:pic>
-          <p:nvPicPr>
-            <p:cNvPr id="15" name="Object 14"/>
-            <p:cNvPicPr>
-              <a:picLocks noChangeAspect="1"/>
-            </p:cNvPicPr>
-            <p:nvPr/>
-          </p:nvPicPr>
-          <p:blipFill>
-            <a:blip r:embed="rId6" cstate="print"/>
-            <a:stretch>
-              <a:fillRect/>
-            </a:stretch>
-          </p:blipFill>
-          <p:spPr>
-            <a:xfrm>
-              <a:off x="888939" y="2329966"/>
-              <a:ext cx="2374773" cy="1158455"/>
-            </a:xfrm>
-            <a:prstGeom prst="rect">
-              <a:avLst/>
-            </a:prstGeom>
-          </p:spPr>
-        </p:pic>
-      </p:grpSp>
-      <p:grpSp>
-        <p:nvGrpSpPr>
-          <p:cNvPr id="1006" name="그룹 1006"/>
-          <p:cNvGrpSpPr/>
-          <p:nvPr/>
-        </p:nvGrpSpPr>
-        <p:grpSpPr>
-          <a:xfrm>
-            <a:off x="5142857" y="3252263"/>
-            <a:ext cx="3875621" cy="1890594"/>
-            <a:chOff x="5142857" y="3252263"/>
-            <a:chExt cx="3875621" cy="1890594"/>
-          </a:xfrm>
-        </p:grpSpPr>
-        <p:pic>
-          <p:nvPicPr>
-            <p:cNvPr id="18" name="Object 17"/>
-            <p:cNvPicPr>
-              <a:picLocks noChangeAspect="1"/>
-            </p:cNvPicPr>
-            <p:nvPr/>
-          </p:nvPicPr>
-          <p:blipFill>
-            <a:blip r:embed="rId7" cstate="print"/>
-            <a:stretch>
-              <a:fillRect/>
-            </a:stretch>
-          </p:blipFill>
-          <p:spPr>
-            <a:xfrm>
-              <a:off x="5142857" y="3252263"/>
-              <a:ext cx="3875621" cy="1890594"/>
-            </a:xfrm>
-            <a:prstGeom prst="rect">
-              <a:avLst/>
-            </a:prstGeom>
-          </p:spPr>
-        </p:pic>
-      </p:grpSp>
-      <p:grpSp>
-        <p:nvGrpSpPr>
-          <p:cNvPr id="1007" name="그룹 1007"/>
-          <p:cNvGrpSpPr/>
-          <p:nvPr/>
-        </p:nvGrpSpPr>
-        <p:grpSpPr>
-          <a:xfrm>
-            <a:off x="6025981" y="2909193"/>
-            <a:ext cx="495694" cy="495694"/>
-            <a:chOff x="6025981" y="2909193"/>
-            <a:chExt cx="495694" cy="495694"/>
-          </a:xfrm>
-        </p:grpSpPr>
-        <p:pic>
-          <p:nvPicPr>
-            <p:cNvPr id="21" name="Object 20"/>
-            <p:cNvPicPr>
-              <a:picLocks noChangeAspect="1"/>
-            </p:cNvPicPr>
-            <p:nvPr/>
-          </p:nvPicPr>
-          <p:blipFill>
-            <a:blip r:embed="rId8" cstate="print"/>
-            <a:stretch>
-              <a:fillRect/>
-            </a:stretch>
-          </p:blipFill>
-          <p:spPr>
-            <a:xfrm>
-              <a:off x="6025981" y="2909193"/>
-              <a:ext cx="495694" cy="495694"/>
-            </a:xfrm>
-            <a:prstGeom prst="rect">
-              <a:avLst/>
-            </a:prstGeom>
-          </p:spPr>
-        </p:pic>
-      </p:grpSp>
-      <p:grpSp>
-        <p:nvGrpSpPr>
-          <p:cNvPr id="1008" name="그룹 1008"/>
-          <p:cNvGrpSpPr/>
-          <p:nvPr/>
-        </p:nvGrpSpPr>
-        <p:grpSpPr>
-          <a:xfrm>
-            <a:off x="2939693" y="2867331"/>
-            <a:ext cx="580289" cy="580289"/>
-            <a:chOff x="2939693" y="2867331"/>
-            <a:chExt cx="580289" cy="580289"/>
-          </a:xfrm>
-        </p:grpSpPr>
-        <p:pic>
-          <p:nvPicPr>
-            <p:cNvPr id="24" name="Object 23"/>
-            <p:cNvPicPr>
-              <a:picLocks noChangeAspect="1"/>
-            </p:cNvPicPr>
-            <p:nvPr/>
-          </p:nvPicPr>
-          <p:blipFill>
-            <a:blip r:embed="rId9" cstate="print"/>
-            <a:stretch>
-              <a:fillRect/>
-            </a:stretch>
-          </p:blipFill>
-          <p:spPr>
-            <a:xfrm>
-              <a:off x="2939693" y="2867331"/>
-              <a:ext cx="580289" cy="580289"/>
-            </a:xfrm>
-            <a:prstGeom prst="rect">
-              <a:avLst/>
-            </a:prstGeom>
-          </p:spPr>
-        </p:pic>
-      </p:grpSp>
-      <p:pic>
-        <p:nvPicPr>
-          <p:cNvPr id="26" name="Object 25"/>
-          <p:cNvPicPr>
-            <a:picLocks noChangeAspect="1"/>
-          </p:cNvPicPr>
-          <p:nvPr/>
-        </p:nvPicPr>
-        <p:blipFill>
-          <a:blip r:embed="rId10" cstate="print"/>
-          <a:stretch>
-            <a:fillRect/>
-          </a:stretch>
-        </p:blipFill>
-        <p:spPr>
-          <a:xfrm>
-            <a:off x="1287520" y="8142496"/>
-            <a:ext cx="7760193" cy="2148345"/>
-          </a:xfrm>
-          <a:prstGeom prst="rect">
-            <a:avLst/>
-          </a:prstGeom>
-        </p:spPr>
-      </p:pic>
-      <p:grpSp>
-        <p:nvGrpSpPr>
-          <p:cNvPr id="1009" name="그룹 1009"/>
-          <p:cNvGrpSpPr/>
-          <p:nvPr/>
-        </p:nvGrpSpPr>
-        <p:grpSpPr>
-          <a:xfrm>
-            <a:off x="1991711" y="4123369"/>
-            <a:ext cx="6302293" cy="2038977"/>
-            <a:chOff x="1991711" y="4123369"/>
-            <a:chExt cx="6302293" cy="2038977"/>
-          </a:xfrm>
-        </p:grpSpPr>
-        <p:grpSp>
-          <p:nvGrpSpPr>
-            <p:cNvPr id="1010" name="그룹 1010"/>
-            <p:cNvGrpSpPr/>
-            <p:nvPr/>
-          </p:nvGrpSpPr>
-          <p:grpSpPr>
-            <a:xfrm>
-              <a:off x="1991711" y="4123369"/>
-              <a:ext cx="6302293" cy="2038977"/>
-              <a:chOff x="1991711" y="4123369"/>
-              <a:chExt cx="6302293" cy="2038977"/>
-            </a:xfrm>
-          </p:grpSpPr>
-          <p:pic>
-            <p:nvPicPr>
-              <p:cNvPr id="29" name="Object 28"/>
-              <p:cNvPicPr>
-                <a:picLocks noChangeAspect="1"/>
-              </p:cNvPicPr>
-              <p:nvPr/>
-            </p:nvPicPr>
-            <p:blipFill>
-              <a:blip r:embed="rId11" cstate="print"/>
-              <a:stretch>
-                <a:fillRect/>
-              </a:stretch>
-            </p:blipFill>
-            <p:spPr>
-              <a:xfrm>
-                <a:off x="1991711" y="4123369"/>
-                <a:ext cx="6302293" cy="2038977"/>
-              </a:xfrm>
-              <a:prstGeom prst="rect">
-                <a:avLst/>
-              </a:prstGeom>
-            </p:spPr>
-          </p:pic>
-        </p:grpSp>
-        <p:pic>
-          <p:nvPicPr>
-            <p:cNvPr id="31" name="Object 30"/>
-            <p:cNvPicPr>
-              <a:picLocks noChangeAspect="1"/>
-            </p:cNvPicPr>
-            <p:nvPr/>
-          </p:nvPicPr>
-          <p:blipFill>
-            <a:blip r:embed="rId12" cstate="print"/>
-            <a:stretch>
-              <a:fillRect/>
-            </a:stretch>
-          </p:blipFill>
-          <p:spPr>
-            <a:xfrm>
-              <a:off x="2024604" y="4054894"/>
-              <a:ext cx="5163661" cy="1985211"/>
             </a:xfrm>
             <a:prstGeom prst="rect">
               <a:avLst/>
